--- a/Eindpresentatie/Amstelhage eindpresentatie.pptx
+++ b/Eindpresentatie/Amstelhage eindpresentatie.pptx
@@ -5,7 +5,7 @@
     <p:sldMasterId id="2147483686" r:id="rId1"/>
   </p:sldMasterIdLst>
   <p:notesMasterIdLst>
-    <p:notesMasterId r:id="rId16"/>
+    <p:notesMasterId r:id="rId15"/>
   </p:notesMasterIdLst>
   <p:sldIdLst>
     <p:sldId id="256" r:id="rId2"/>
@@ -18,10 +18,9 @@
     <p:sldId id="286" r:id="rId9"/>
     <p:sldId id="287" r:id="rId10"/>
     <p:sldId id="288" r:id="rId11"/>
-    <p:sldId id="290" r:id="rId12"/>
-    <p:sldId id="291" r:id="rId13"/>
-    <p:sldId id="292" r:id="rId14"/>
-    <p:sldId id="289" r:id="rId15"/>
+    <p:sldId id="291" r:id="rId12"/>
+    <p:sldId id="292" r:id="rId13"/>
+    <p:sldId id="289" r:id="rId14"/>
   </p:sldIdLst>
   <p:sldSz cx="12192000" cy="6858000"/>
   <p:notesSz cx="6858000" cy="9144000"/>
@@ -6624,7 +6623,7 @@
           <p:cNvPr id="2" name="Titel 1">
             <a:extLst>
               <a:ext uri="{FF2B5EF4-FFF2-40B4-BE49-F238E27FC236}">
-                <a16:creationId xmlns:a16="http://schemas.microsoft.com/office/drawing/2014/main" id="{B0922514-14AC-4355-BE96-ADD4BEEB74B9}"/>
+                <a16:creationId xmlns:a16="http://schemas.microsoft.com/office/drawing/2014/main" id="{41E1B08A-92BE-4449-95C0-34A187D13F9B}"/>
               </a:ext>
             </a:extLst>
           </p:cNvPr>
@@ -6642,34 +6641,13 @@
           <a:p>
             <a:r>
               <a:rPr lang="nl-NL" dirty="0"/>
-              <a:t>Resultaten: Depth First</a:t>
+              <a:t>Resultaten: </a:t>
+            </a:r>
+            <a:r>
+              <a:rPr lang="nl-NL" dirty="0" err="1"/>
+              <a:t>Hillclimber</a:t>
             </a:r>
             <a:endParaRPr lang="en-US" dirty="0"/>
-          </a:p>
-        </p:txBody>
-      </p:sp>
-      <p:sp>
-        <p:nvSpPr>
-          <p:cNvPr id="3" name="Tijdelijke aanduiding voor inhoud 2">
-            <a:extLst>
-              <a:ext uri="{FF2B5EF4-FFF2-40B4-BE49-F238E27FC236}">
-                <a16:creationId xmlns:a16="http://schemas.microsoft.com/office/drawing/2014/main" id="{BADE43CE-8C92-42CC-B176-85D23A422755}"/>
-              </a:ext>
-            </a:extLst>
-          </p:cNvPr>
-          <p:cNvSpPr>
-            <a:spLocks noGrp="1"/>
-          </p:cNvSpPr>
-          <p:nvPr>
-            <p:ph idx="1"/>
-          </p:nvPr>
-        </p:nvSpPr>
-        <p:spPr/>
-        <p:txBody>
-          <a:bodyPr/>
-          <a:lstStyle/>
-          <a:p>
-            <a:endParaRPr lang="en-US"/>
           </a:p>
         </p:txBody>
       </p:sp>
@@ -6678,7 +6656,7 @@
           <p:cNvPr id="4" name="Tijdelijke aanduiding voor dianummer 3">
             <a:extLst>
               <a:ext uri="{FF2B5EF4-FFF2-40B4-BE49-F238E27FC236}">
-                <a16:creationId xmlns:a16="http://schemas.microsoft.com/office/drawing/2014/main" id="{6B431CE2-AB7D-4F99-AA1E-BEB45FE45633}"/>
+                <a16:creationId xmlns:a16="http://schemas.microsoft.com/office/drawing/2014/main" id="{BFE6FFAC-D106-4FB5-9B55-B03BDF63433A}"/>
               </a:ext>
             </a:extLst>
           </p:cNvPr>
@@ -6702,10 +6680,383 @@
           </a:p>
         </p:txBody>
       </p:sp>
+      <p:sp>
+        <p:nvSpPr>
+          <p:cNvPr id="8" name="Tijdelijke aanduiding voor inhoud 2">
+            <a:extLst>
+              <a:ext uri="{FF2B5EF4-FFF2-40B4-BE49-F238E27FC236}">
+                <a16:creationId xmlns:a16="http://schemas.microsoft.com/office/drawing/2014/main" id="{363D7E06-7452-4D69-9344-CF655B7C4B45}"/>
+              </a:ext>
+            </a:extLst>
+          </p:cNvPr>
+          <p:cNvSpPr txBox="1">
+            <a:spLocks/>
+          </p:cNvSpPr>
+          <p:nvPr/>
+        </p:nvSpPr>
+        <p:spPr>
+          <a:xfrm>
+            <a:off x="677334" y="2160589"/>
+            <a:ext cx="8596668" cy="3880773"/>
+          </a:xfrm>
+          <a:prstGeom prst="rect">
+            <a:avLst/>
+          </a:prstGeom>
+        </p:spPr>
+        <p:txBody>
+          <a:bodyPr vert="horz" lIns="91440" tIns="45720" rIns="91440" bIns="45720" rtlCol="0">
+            <a:normAutofit/>
+          </a:bodyPr>
+          <a:lstStyle>
+            <a:lvl1pPr marL="342900" indent="-342900" algn="l" defTabSz="457200" rtl="0" eaLnBrk="1" latinLnBrk="0" hangingPunct="1">
+              <a:spcBef>
+                <a:spcPts val="1000"/>
+              </a:spcBef>
+              <a:spcAft>
+                <a:spcPts val="0"/>
+              </a:spcAft>
+              <a:buClr>
+                <a:schemeClr val="accent1">
+                  <a:lumMod val="75000"/>
+                </a:schemeClr>
+              </a:buClr>
+              <a:buSzPct val="80000"/>
+              <a:buFont typeface="Wingdings 3" charset="2"/>
+              <a:buChar char=""/>
+              <a:defRPr sz="1800" kern="1200">
+                <a:solidFill>
+                  <a:schemeClr val="tx1">
+                    <a:lumMod val="75000"/>
+                    <a:lumOff val="25000"/>
+                  </a:schemeClr>
+                </a:solidFill>
+                <a:latin typeface="+mn-lt"/>
+                <a:ea typeface="+mn-ea"/>
+                <a:cs typeface="+mn-cs"/>
+              </a:defRPr>
+            </a:lvl1pPr>
+            <a:lvl2pPr marL="742950" indent="-285750" algn="l" defTabSz="457200" rtl="0" eaLnBrk="1" latinLnBrk="0" hangingPunct="1">
+              <a:spcBef>
+                <a:spcPts val="1000"/>
+              </a:spcBef>
+              <a:spcAft>
+                <a:spcPts val="0"/>
+              </a:spcAft>
+              <a:buClr>
+                <a:schemeClr val="accent1">
+                  <a:lumMod val="75000"/>
+                </a:schemeClr>
+              </a:buClr>
+              <a:buSzPct val="80000"/>
+              <a:buFont typeface="Wingdings 3" charset="2"/>
+              <a:buChar char=""/>
+              <a:defRPr sz="1600" kern="1200">
+                <a:solidFill>
+                  <a:schemeClr val="tx1">
+                    <a:lumMod val="75000"/>
+                    <a:lumOff val="25000"/>
+                  </a:schemeClr>
+                </a:solidFill>
+                <a:latin typeface="+mn-lt"/>
+                <a:ea typeface="+mn-ea"/>
+                <a:cs typeface="+mn-cs"/>
+              </a:defRPr>
+            </a:lvl2pPr>
+            <a:lvl3pPr marL="1143000" indent="-228600" algn="l" defTabSz="457200" rtl="0" eaLnBrk="1" latinLnBrk="0" hangingPunct="1">
+              <a:spcBef>
+                <a:spcPts val="1000"/>
+              </a:spcBef>
+              <a:spcAft>
+                <a:spcPts val="0"/>
+              </a:spcAft>
+              <a:buClr>
+                <a:schemeClr val="accent1">
+                  <a:lumMod val="75000"/>
+                </a:schemeClr>
+              </a:buClr>
+              <a:buSzPct val="80000"/>
+              <a:buFont typeface="Wingdings 3" charset="2"/>
+              <a:buChar char=""/>
+              <a:defRPr sz="1400" kern="1200">
+                <a:solidFill>
+                  <a:schemeClr val="tx1">
+                    <a:lumMod val="75000"/>
+                    <a:lumOff val="25000"/>
+                  </a:schemeClr>
+                </a:solidFill>
+                <a:latin typeface="+mn-lt"/>
+                <a:ea typeface="+mn-ea"/>
+                <a:cs typeface="+mn-cs"/>
+              </a:defRPr>
+            </a:lvl3pPr>
+            <a:lvl4pPr marL="1600200" indent="-228600" algn="l" defTabSz="457200" rtl="0" eaLnBrk="1" latinLnBrk="0" hangingPunct="1">
+              <a:spcBef>
+                <a:spcPts val="1000"/>
+              </a:spcBef>
+              <a:spcAft>
+                <a:spcPts val="0"/>
+              </a:spcAft>
+              <a:buClr>
+                <a:schemeClr val="accent1">
+                  <a:lumMod val="75000"/>
+                </a:schemeClr>
+              </a:buClr>
+              <a:buSzPct val="80000"/>
+              <a:buFont typeface="Wingdings 3" charset="2"/>
+              <a:buChar char=""/>
+              <a:defRPr sz="1200" kern="1200">
+                <a:solidFill>
+                  <a:schemeClr val="tx1">
+                    <a:lumMod val="75000"/>
+                    <a:lumOff val="25000"/>
+                  </a:schemeClr>
+                </a:solidFill>
+                <a:latin typeface="+mn-lt"/>
+                <a:ea typeface="+mn-ea"/>
+                <a:cs typeface="+mn-cs"/>
+              </a:defRPr>
+            </a:lvl4pPr>
+            <a:lvl5pPr marL="2057400" indent="-228600" algn="l" defTabSz="457200" rtl="0" eaLnBrk="1" latinLnBrk="0" hangingPunct="1">
+              <a:spcBef>
+                <a:spcPts val="1000"/>
+              </a:spcBef>
+              <a:spcAft>
+                <a:spcPts val="0"/>
+              </a:spcAft>
+              <a:buClr>
+                <a:schemeClr val="accent1">
+                  <a:lumMod val="75000"/>
+                </a:schemeClr>
+              </a:buClr>
+              <a:buSzPct val="80000"/>
+              <a:buFont typeface="Wingdings 3" charset="2"/>
+              <a:buChar char=""/>
+              <a:defRPr sz="1200" kern="1200">
+                <a:solidFill>
+                  <a:schemeClr val="tx1">
+                    <a:lumMod val="75000"/>
+                    <a:lumOff val="25000"/>
+                  </a:schemeClr>
+                </a:solidFill>
+                <a:latin typeface="+mn-lt"/>
+                <a:ea typeface="+mn-ea"/>
+                <a:cs typeface="+mn-cs"/>
+              </a:defRPr>
+            </a:lvl5pPr>
+            <a:lvl6pPr marL="2514600" indent="-228600" algn="l" defTabSz="457200" rtl="0" eaLnBrk="1" latinLnBrk="0" hangingPunct="1">
+              <a:spcBef>
+                <a:spcPts val="1000"/>
+              </a:spcBef>
+              <a:spcAft>
+                <a:spcPts val="0"/>
+              </a:spcAft>
+              <a:buClr>
+                <a:schemeClr val="accent1">
+                  <a:lumMod val="75000"/>
+                </a:schemeClr>
+              </a:buClr>
+              <a:buSzPct val="80000"/>
+              <a:buFont typeface="Wingdings 3" charset="2"/>
+              <a:buChar char=""/>
+              <a:defRPr sz="1200" kern="1200">
+                <a:solidFill>
+                  <a:schemeClr val="tx1">
+                    <a:lumMod val="75000"/>
+                    <a:lumOff val="25000"/>
+                  </a:schemeClr>
+                </a:solidFill>
+                <a:latin typeface="+mn-lt"/>
+                <a:ea typeface="+mn-ea"/>
+                <a:cs typeface="+mn-cs"/>
+              </a:defRPr>
+            </a:lvl6pPr>
+            <a:lvl7pPr marL="2971800" indent="-228600" algn="l" defTabSz="457200" rtl="0" eaLnBrk="1" latinLnBrk="0" hangingPunct="1">
+              <a:spcBef>
+                <a:spcPts val="1000"/>
+              </a:spcBef>
+              <a:spcAft>
+                <a:spcPts val="0"/>
+              </a:spcAft>
+              <a:buClr>
+                <a:schemeClr val="accent1">
+                  <a:lumMod val="75000"/>
+                </a:schemeClr>
+              </a:buClr>
+              <a:buSzPct val="80000"/>
+              <a:buFont typeface="Wingdings 3" charset="2"/>
+              <a:buChar char=""/>
+              <a:defRPr sz="1200" kern="1200">
+                <a:solidFill>
+                  <a:schemeClr val="tx1">
+                    <a:lumMod val="75000"/>
+                    <a:lumOff val="25000"/>
+                  </a:schemeClr>
+                </a:solidFill>
+                <a:latin typeface="+mn-lt"/>
+                <a:ea typeface="+mn-ea"/>
+                <a:cs typeface="+mn-cs"/>
+              </a:defRPr>
+            </a:lvl7pPr>
+            <a:lvl8pPr marL="3429000" indent="-228600" algn="l" defTabSz="457200" rtl="0" eaLnBrk="1" latinLnBrk="0" hangingPunct="1">
+              <a:spcBef>
+                <a:spcPts val="1000"/>
+              </a:spcBef>
+              <a:spcAft>
+                <a:spcPts val="0"/>
+              </a:spcAft>
+              <a:buClr>
+                <a:schemeClr val="accent1">
+                  <a:lumMod val="75000"/>
+                </a:schemeClr>
+              </a:buClr>
+              <a:buSzPct val="80000"/>
+              <a:buFont typeface="Wingdings 3" charset="2"/>
+              <a:buChar char=""/>
+              <a:defRPr sz="1200" kern="1200">
+                <a:solidFill>
+                  <a:schemeClr val="tx1">
+                    <a:lumMod val="75000"/>
+                    <a:lumOff val="25000"/>
+                  </a:schemeClr>
+                </a:solidFill>
+                <a:latin typeface="+mn-lt"/>
+                <a:ea typeface="+mn-ea"/>
+                <a:cs typeface="+mn-cs"/>
+              </a:defRPr>
+            </a:lvl8pPr>
+            <a:lvl9pPr marL="3886200" indent="-228600" algn="l" defTabSz="457200" rtl="0" eaLnBrk="1" latinLnBrk="0" hangingPunct="1">
+              <a:spcBef>
+                <a:spcPts val="1000"/>
+              </a:spcBef>
+              <a:spcAft>
+                <a:spcPts val="0"/>
+              </a:spcAft>
+              <a:buClr>
+                <a:schemeClr val="accent1">
+                  <a:lumMod val="75000"/>
+                </a:schemeClr>
+              </a:buClr>
+              <a:buSzPct val="80000"/>
+              <a:buFont typeface="Wingdings 3" charset="2"/>
+              <a:buChar char=""/>
+              <a:defRPr sz="1200" kern="1200">
+                <a:solidFill>
+                  <a:schemeClr val="tx1">
+                    <a:lumMod val="75000"/>
+                    <a:lumOff val="25000"/>
+                  </a:schemeClr>
+                </a:solidFill>
+                <a:latin typeface="+mn-lt"/>
+                <a:ea typeface="+mn-ea"/>
+                <a:cs typeface="+mn-cs"/>
+              </a:defRPr>
+            </a:lvl9pPr>
+          </a:lstStyle>
+          <a:p>
+            <a:r>
+              <a:rPr lang="nl-NL" dirty="0"/>
+              <a:t>Score per iteratie</a:t>
+            </a:r>
+          </a:p>
+          <a:p>
+            <a:r>
+              <a:rPr lang="nl-NL" dirty="0"/>
+              <a:t>Eerste 500 iteraties</a:t>
+            </a:r>
+          </a:p>
+          <a:p>
+            <a:r>
+              <a:rPr lang="nl-NL" dirty="0"/>
+              <a:t>Verbetert </a:t>
+            </a:r>
+            <a:r>
+              <a:rPr lang="nl-NL"/>
+              <a:t>random tot +/- 50%</a:t>
+            </a:r>
+            <a:endParaRPr lang="en-US" dirty="0"/>
+          </a:p>
+        </p:txBody>
+      </p:sp>
+      <p:pic>
+        <p:nvPicPr>
+          <p:cNvPr id="11" name="Tijdelijke aanduiding voor inhoud 10">
+            <a:extLst>
+              <a:ext uri="{FF2B5EF4-FFF2-40B4-BE49-F238E27FC236}">
+                <a16:creationId xmlns:a16="http://schemas.microsoft.com/office/drawing/2014/main" id="{6C748BC8-9386-40E0-B3A5-90F5530323E7}"/>
+              </a:ext>
+            </a:extLst>
+          </p:cNvPr>
+          <p:cNvPicPr>
+            <a:picLocks noGrp="1" noChangeAspect="1"/>
+          </p:cNvPicPr>
+          <p:nvPr>
+            <p:ph idx="1"/>
+          </p:nvPr>
+        </p:nvPicPr>
+        <p:blipFill>
+          <a:blip r:embed="rId2"/>
+          <a:stretch>
+            <a:fillRect/>
+          </a:stretch>
+        </p:blipFill>
+        <p:spPr>
+          <a:xfrm>
+            <a:off x="4638888" y="2210690"/>
+            <a:ext cx="3881437" cy="3881437"/>
+          </a:xfrm>
+        </p:spPr>
+      </p:pic>
+      <p:sp>
+        <p:nvSpPr>
+          <p:cNvPr id="7" name="Ovaal 6">
+            <a:extLst>
+              <a:ext uri="{FF2B5EF4-FFF2-40B4-BE49-F238E27FC236}">
+                <a16:creationId xmlns:a16="http://schemas.microsoft.com/office/drawing/2014/main" id="{0BB2D2BF-5E1F-4107-981F-7C6745E4930C}"/>
+              </a:ext>
+            </a:extLst>
+          </p:cNvPr>
+          <p:cNvSpPr/>
+          <p:nvPr/>
+        </p:nvSpPr>
+        <p:spPr>
+          <a:xfrm>
+            <a:off x="4218562" y="2160589"/>
+            <a:ext cx="2310751" cy="3982303"/>
+          </a:xfrm>
+          <a:prstGeom prst="ellipse">
+            <a:avLst/>
+          </a:prstGeom>
+          <a:noFill/>
+        </p:spPr>
+        <p:style>
+          <a:lnRef idx="2">
+            <a:schemeClr val="accent1">
+              <a:shade val="50000"/>
+            </a:schemeClr>
+          </a:lnRef>
+          <a:fillRef idx="1">
+            <a:schemeClr val="accent1"/>
+          </a:fillRef>
+          <a:effectRef idx="0">
+            <a:schemeClr val="accent1"/>
+          </a:effectRef>
+          <a:fontRef idx="minor">
+            <a:schemeClr val="lt1"/>
+          </a:fontRef>
+        </p:style>
+        <p:txBody>
+          <a:bodyPr rtlCol="0" anchor="ctr"/>
+          <a:lstStyle/>
+          <a:p>
+            <a:pPr algn="ctr"/>
+            <a:endParaRPr lang="en-US"/>
+          </a:p>
+        </p:txBody>
+      </p:sp>
     </p:spTree>
     <p:extLst>
       <p:ext uri="{BB962C8B-B14F-4D97-AF65-F5344CB8AC3E}">
-        <p14:creationId xmlns:p14="http://schemas.microsoft.com/office/powerpoint/2010/main" val="2054966870"/>
+        <p14:creationId xmlns:p14="http://schemas.microsoft.com/office/powerpoint/2010/main" val="260989169"/>
       </p:ext>
     </p:extLst>
   </p:cSld>
@@ -6737,7 +7088,7 @@
           <p:cNvPr id="2" name="Titel 1">
             <a:extLst>
               <a:ext uri="{FF2B5EF4-FFF2-40B4-BE49-F238E27FC236}">
-                <a16:creationId xmlns:a16="http://schemas.microsoft.com/office/drawing/2014/main" id="{41E1B08A-92BE-4449-95C0-34A187D13F9B}"/>
+                <a16:creationId xmlns:a16="http://schemas.microsoft.com/office/drawing/2014/main" id="{C22E0FC3-40C5-4583-B284-B251D81869F5}"/>
               </a:ext>
             </a:extLst>
           </p:cNvPr>
@@ -6755,51 +7106,55 @@
           <a:p>
             <a:r>
               <a:rPr lang="nl-NL" dirty="0"/>
-              <a:t>Resultaten: </a:t>
-            </a:r>
-            <a:r>
-              <a:rPr lang="nl-NL" dirty="0" err="1"/>
-              <a:t>Hillclimber</a:t>
+              <a:t>Conclusie</a:t>
             </a:r>
             <a:endParaRPr lang="en-US" dirty="0"/>
           </a:p>
         </p:txBody>
       </p:sp>
-      <p:pic>
-        <p:nvPicPr>
-          <p:cNvPr id="6" name="Tijdelijke aanduiding voor inhoud 5">
+      <p:sp>
+        <p:nvSpPr>
+          <p:cNvPr id="3" name="Tijdelijke aanduiding voor inhoud 2">
             <a:extLst>
               <a:ext uri="{FF2B5EF4-FFF2-40B4-BE49-F238E27FC236}">
-                <a16:creationId xmlns:a16="http://schemas.microsoft.com/office/drawing/2014/main" id="{262BA57D-D736-4E23-AA7F-E259B8388096}"/>
+                <a16:creationId xmlns:a16="http://schemas.microsoft.com/office/drawing/2014/main" id="{73B33903-536C-43DD-AAFA-4D6F8F305E8A}"/>
               </a:ext>
             </a:extLst>
           </p:cNvPr>
-          <p:cNvPicPr>
-            <a:picLocks noGrp="1" noChangeAspect="1"/>
-          </p:cNvPicPr>
+          <p:cNvSpPr>
+            <a:spLocks noGrp="1"/>
+          </p:cNvSpPr>
           <p:nvPr>
             <p:ph idx="1"/>
           </p:nvPr>
-        </p:nvPicPr>
-        <p:blipFill>
-          <a:blip r:embed="rId2"/>
-          <a:stretch>
-            <a:fillRect/>
-          </a:stretch>
-        </p:blipFill>
-        <p:spPr>
-          <a:xfrm>
-            <a:off x="1740740" y="1188970"/>
-            <a:ext cx="6469856" cy="4852392"/>
-          </a:xfrm>
-        </p:spPr>
-      </p:pic>
+        </p:nvSpPr>
+        <p:spPr/>
+        <p:txBody>
+          <a:bodyPr/>
+          <a:lstStyle/>
+          <a:p>
+            <a:r>
+              <a:rPr lang="nl-NL" dirty="0"/>
+              <a:t>Algoritmes scoren substantieel beter dan random functie</a:t>
+            </a:r>
+          </a:p>
+          <a:p>
+            <a:r>
+              <a:rPr lang="nl-NL" dirty="0"/>
+              <a:t>Combineren van een constructief en iteratief algoritme maakt betere keuzes</a:t>
+            </a:r>
+          </a:p>
+          <a:p>
+            <a:endParaRPr lang="en-US" dirty="0"/>
+          </a:p>
+        </p:txBody>
+      </p:sp>
       <p:sp>
         <p:nvSpPr>
           <p:cNvPr id="4" name="Tijdelijke aanduiding voor dianummer 3">
             <a:extLst>
               <a:ext uri="{FF2B5EF4-FFF2-40B4-BE49-F238E27FC236}">
-                <a16:creationId xmlns:a16="http://schemas.microsoft.com/office/drawing/2014/main" id="{BFE6FFAC-D106-4FB5-9B55-B03BDF63433A}"/>
+                <a16:creationId xmlns:a16="http://schemas.microsoft.com/office/drawing/2014/main" id="{3D5275B1-B70B-4A9C-A4A5-4E26B896D063}"/>
               </a:ext>
             </a:extLst>
           </p:cNvPr>
@@ -6823,57 +7178,10 @@
           </a:p>
         </p:txBody>
       </p:sp>
-      <p:sp>
-        <p:nvSpPr>
-          <p:cNvPr id="7" name="Ovaal 6">
-            <a:extLst>
-              <a:ext uri="{FF2B5EF4-FFF2-40B4-BE49-F238E27FC236}">
-                <a16:creationId xmlns:a16="http://schemas.microsoft.com/office/drawing/2014/main" id="{0BB2D2BF-5E1F-4107-981F-7C6745E4930C}"/>
-              </a:ext>
-            </a:extLst>
-          </p:cNvPr>
-          <p:cNvSpPr/>
-          <p:nvPr/>
-        </p:nvSpPr>
-        <p:spPr>
-          <a:xfrm>
-            <a:off x="2628900" y="1762125"/>
-            <a:ext cx="1676400" cy="1152525"/>
-          </a:xfrm>
-          <a:prstGeom prst="ellipse">
-            <a:avLst/>
-          </a:prstGeom>
-          <a:noFill/>
-        </p:spPr>
-        <p:style>
-          <a:lnRef idx="2">
-            <a:schemeClr val="accent1">
-              <a:shade val="50000"/>
-            </a:schemeClr>
-          </a:lnRef>
-          <a:fillRef idx="1">
-            <a:schemeClr val="accent1"/>
-          </a:fillRef>
-          <a:effectRef idx="0">
-            <a:schemeClr val="accent1"/>
-          </a:effectRef>
-          <a:fontRef idx="minor">
-            <a:schemeClr val="lt1"/>
-          </a:fontRef>
-        </p:style>
-        <p:txBody>
-          <a:bodyPr rtlCol="0" anchor="ctr"/>
-          <a:lstStyle/>
-          <a:p>
-            <a:pPr algn="ctr"/>
-            <a:endParaRPr lang="en-US"/>
-          </a:p>
-        </p:txBody>
-      </p:sp>
     </p:spTree>
     <p:extLst>
       <p:ext uri="{BB962C8B-B14F-4D97-AF65-F5344CB8AC3E}">
-        <p14:creationId xmlns:p14="http://schemas.microsoft.com/office/powerpoint/2010/main" val="260989169"/>
+        <p14:creationId xmlns:p14="http://schemas.microsoft.com/office/powerpoint/2010/main" val="3885076906"/>
       </p:ext>
     </p:extLst>
   </p:cSld>
@@ -6905,131 +7213,6 @@
           <p:cNvPr id="2" name="Titel 1">
             <a:extLst>
               <a:ext uri="{FF2B5EF4-FFF2-40B4-BE49-F238E27FC236}">
-                <a16:creationId xmlns:a16="http://schemas.microsoft.com/office/drawing/2014/main" id="{C22E0FC3-40C5-4583-B284-B251D81869F5}"/>
-              </a:ext>
-            </a:extLst>
-          </p:cNvPr>
-          <p:cNvSpPr>
-            <a:spLocks noGrp="1"/>
-          </p:cNvSpPr>
-          <p:nvPr>
-            <p:ph type="title"/>
-          </p:nvPr>
-        </p:nvSpPr>
-        <p:spPr/>
-        <p:txBody>
-          <a:bodyPr/>
-          <a:lstStyle/>
-          <a:p>
-            <a:r>
-              <a:rPr lang="nl-NL" dirty="0"/>
-              <a:t>Conclusie</a:t>
-            </a:r>
-            <a:endParaRPr lang="en-US" dirty="0"/>
-          </a:p>
-        </p:txBody>
-      </p:sp>
-      <p:sp>
-        <p:nvSpPr>
-          <p:cNvPr id="3" name="Tijdelijke aanduiding voor inhoud 2">
-            <a:extLst>
-              <a:ext uri="{FF2B5EF4-FFF2-40B4-BE49-F238E27FC236}">
-                <a16:creationId xmlns:a16="http://schemas.microsoft.com/office/drawing/2014/main" id="{73B33903-536C-43DD-AAFA-4D6F8F305E8A}"/>
-              </a:ext>
-            </a:extLst>
-          </p:cNvPr>
-          <p:cNvSpPr>
-            <a:spLocks noGrp="1"/>
-          </p:cNvSpPr>
-          <p:nvPr>
-            <p:ph idx="1"/>
-          </p:nvPr>
-        </p:nvSpPr>
-        <p:spPr/>
-        <p:txBody>
-          <a:bodyPr/>
-          <a:lstStyle/>
-          <a:p>
-            <a:r>
-              <a:rPr lang="nl-NL" dirty="0"/>
-              <a:t>Algoritmes scoren substantieel beter dan random functie</a:t>
-            </a:r>
-          </a:p>
-          <a:p>
-            <a:r>
-              <a:rPr lang="nl-NL" dirty="0"/>
-              <a:t>Combineren van een constructief en iteratief algoritme maakt betere keuzes</a:t>
-            </a:r>
-          </a:p>
-          <a:p>
-            <a:endParaRPr lang="en-US" dirty="0"/>
-          </a:p>
-        </p:txBody>
-      </p:sp>
-      <p:sp>
-        <p:nvSpPr>
-          <p:cNvPr id="4" name="Tijdelijke aanduiding voor dianummer 3">
-            <a:extLst>
-              <a:ext uri="{FF2B5EF4-FFF2-40B4-BE49-F238E27FC236}">
-                <a16:creationId xmlns:a16="http://schemas.microsoft.com/office/drawing/2014/main" id="{3D5275B1-B70B-4A9C-A4A5-4E26B896D063}"/>
-              </a:ext>
-            </a:extLst>
-          </p:cNvPr>
-          <p:cNvSpPr>
-            <a:spLocks noGrp="1"/>
-          </p:cNvSpPr>
-          <p:nvPr>
-            <p:ph type="sldNum" sz="quarter" idx="12"/>
-          </p:nvPr>
-        </p:nvSpPr>
-        <p:spPr/>
-        <p:txBody>
-          <a:bodyPr/>
-          <a:lstStyle/>
-          <a:p>
-            <a:fld id="{519954A3-9DFD-4C44-94BA-B95130A3BA1C}" type="slidenum">
-              <a:rPr lang="en-US" smtClean="0"/>
-              <a:t>13</a:t>
-            </a:fld>
-            <a:endParaRPr lang="en-US" dirty="0"/>
-          </a:p>
-        </p:txBody>
-      </p:sp>
-    </p:spTree>
-    <p:extLst>
-      <p:ext uri="{BB962C8B-B14F-4D97-AF65-F5344CB8AC3E}">
-        <p14:creationId xmlns:p14="http://schemas.microsoft.com/office/powerpoint/2010/main" val="3885076906"/>
-      </p:ext>
-    </p:extLst>
-  </p:cSld>
-  <p:clrMapOvr>
-    <a:masterClrMapping/>
-  </p:clrMapOvr>
-</p:sld>
-</file>
-
-<file path=ppt/slides/slide14.xml><?xml version="1.0" encoding="utf-8"?>
-<p:sld xmlns:a="http://schemas.openxmlformats.org/drawingml/2006/main" xmlns:r="http://schemas.openxmlformats.org/officeDocument/2006/relationships" xmlns:p="http://schemas.openxmlformats.org/presentationml/2006/main">
-  <p:cSld>
-    <p:spTree>
-      <p:nvGrpSpPr>
-        <p:cNvPr id="1" name=""/>
-        <p:cNvGrpSpPr/>
-        <p:nvPr/>
-      </p:nvGrpSpPr>
-      <p:grpSpPr>
-        <a:xfrm>
-          <a:off x="0" y="0"/>
-          <a:ext cx="0" cy="0"/>
-          <a:chOff x="0" y="0"/>
-          <a:chExt cx="0" cy="0"/>
-        </a:xfrm>
-      </p:grpSpPr>
-      <p:sp>
-        <p:nvSpPr>
-          <p:cNvPr id="2" name="Titel 1">
-            <a:extLst>
-              <a:ext uri="{FF2B5EF4-FFF2-40B4-BE49-F238E27FC236}">
                 <a16:creationId xmlns:a16="http://schemas.microsoft.com/office/drawing/2014/main" id="{176D83C0-7A6F-4241-8E0D-0E38482A2735}"/>
               </a:ext>
             </a:extLst>
@@ -7113,7 +7296,13 @@
               <a:rPr lang="nl-NL" dirty="0" err="1"/>
               <a:t>annealing</a:t>
             </a:r>
-            <a:endParaRPr lang="nl-NL"/>
+            <a:endParaRPr lang="nl-NL" dirty="0"/>
+          </a:p>
+          <a:p>
+            <a:r>
+              <a:rPr lang="nl-NL" dirty="0"/>
+              <a:t>Combineren van alle algoritmes</a:t>
+            </a:r>
           </a:p>
           <a:p>
             <a:endParaRPr lang="nl-NL" dirty="0"/>
@@ -7152,7 +7341,7 @@
           <a:p>
             <a:fld id="{519954A3-9DFD-4C44-94BA-B95130A3BA1C}" type="slidenum">
               <a:rPr lang="en-US" smtClean="0"/>
-              <a:t>14</a:t>
+              <a:t>13</a:t>
             </a:fld>
             <a:endParaRPr lang="en-US" dirty="0"/>
           </a:p>
@@ -10592,6 +10781,28 @@
           <a:bodyPr/>
           <a:lstStyle/>
           <a:p>
+            <a:r>
+              <a:rPr lang="nl-NL" dirty="0"/>
+              <a:t>Score: 15 679 426</a:t>
+            </a:r>
+          </a:p>
+          <a:p>
+            <a:r>
+              <a:rPr lang="nl-NL" dirty="0"/>
+              <a:t>Grote </a:t>
+            </a:r>
+            <a:r>
+              <a:rPr lang="nl-NL" dirty="0" err="1"/>
+              <a:t>vrijstand</a:t>
+            </a:r>
+            <a:r>
+              <a:rPr lang="nl-NL" dirty="0"/>
+              <a:t> voor </a:t>
+            </a:r>
+            <a:r>
+              <a:rPr lang="nl-NL" dirty="0" err="1"/>
+              <a:t>maisons</a:t>
+            </a:r>
             <a:endParaRPr lang="en-US" dirty="0"/>
           </a:p>
         </p:txBody>
@@ -10625,6 +10836,36 @@
           </a:p>
         </p:txBody>
       </p:sp>
+      <p:pic>
+        <p:nvPicPr>
+          <p:cNvPr id="10" name="Afbeelding 9">
+            <a:extLst>
+              <a:ext uri="{FF2B5EF4-FFF2-40B4-BE49-F238E27FC236}">
+                <a16:creationId xmlns:a16="http://schemas.microsoft.com/office/drawing/2014/main" id="{077F523F-9DA9-4A18-A43D-607204CC9BAD}"/>
+              </a:ext>
+            </a:extLst>
+          </p:cNvPr>
+          <p:cNvPicPr>
+            <a:picLocks noChangeAspect="1"/>
+          </p:cNvPicPr>
+          <p:nvPr/>
+        </p:nvPicPr>
+        <p:blipFill>
+          <a:blip r:embed="rId2"/>
+          <a:stretch>
+            <a:fillRect/>
+          </a:stretch>
+        </p:blipFill>
+        <p:spPr>
+          <a:xfrm>
+            <a:off x="5334000" y="0"/>
+            <a:ext cx="6858000" cy="6858000"/>
+          </a:xfrm>
+          <a:prstGeom prst="rect">
+            <a:avLst/>
+          </a:prstGeom>
+        </p:spPr>
+      </p:pic>
     </p:spTree>
     <p:extLst>
       <p:ext uri="{BB962C8B-B14F-4D97-AF65-F5344CB8AC3E}">

--- a/Eindpresentatie/Amstelhage eindpresentatie.pptx
+++ b/Eindpresentatie/Amstelhage eindpresentatie.pptx
@@ -5,7 +5,7 @@
     <p:sldMasterId id="2147483686" r:id="rId1"/>
   </p:sldMasterIdLst>
   <p:notesMasterIdLst>
-    <p:notesMasterId r:id="rId15"/>
+    <p:notesMasterId r:id="rId16"/>
   </p:notesMasterIdLst>
   <p:sldIdLst>
     <p:sldId id="256" r:id="rId2"/>
@@ -21,6 +21,7 @@
     <p:sldId id="291" r:id="rId12"/>
     <p:sldId id="292" r:id="rId13"/>
     <p:sldId id="289" r:id="rId14"/>
+    <p:sldId id="293" r:id="rId15"/>
   </p:sldIdLst>
   <p:sldSz cx="12192000" cy="6858000"/>
   <p:notesSz cx="6858000" cy="9144000"/>
@@ -127,6 +128,216 @@
 </p:presentation>
 </file>
 
+<file path=ppt/revisionInfo.xml><?xml version="1.0" encoding="utf-8"?>
+<p1510:revInfo xmlns:a="http://schemas.openxmlformats.org/drawingml/2006/main" xmlns:r="http://schemas.openxmlformats.org/officeDocument/2006/relationships" xmlns:p1510="http://schemas.microsoft.com/office/powerpoint/2015/10/main">
+  <p1510:revLst>
+    <p1510:client id="{B368888F-42D6-4754-8986-253CB4402C58}" v="397" dt="2018-12-19T10:18:08.518"/>
+  </p1510:revLst>
+</p1510:revInfo>
+</file>
+
+<file path=ppt/changesInfos/changesInfo1.xml><?xml version="1.0" encoding="utf-8"?>
+<pc:chgInfo xmlns:a="http://schemas.openxmlformats.org/drawingml/2006/main" xmlns:r="http://schemas.openxmlformats.org/officeDocument/2006/relationships" xmlns:ac="http://schemas.microsoft.com/office/drawing/2013/main/command" xmlns:pc="http://schemas.microsoft.com/office/powerpoint/2013/main/command">
+  <pc:docChgLst>
+    <pc:chgData name="Eveline Tiekink" userId="6058ae45eb5242b7" providerId="LiveId" clId="{B368888F-42D6-4754-8986-253CB4402C58}"/>
+    <pc:docChg chg="undo custSel addSld delSld modSld">
+      <pc:chgData name="Eveline Tiekink" userId="6058ae45eb5242b7" providerId="LiveId" clId="{B368888F-42D6-4754-8986-253CB4402C58}" dt="2018-12-19T10:20:24.847" v="707" actId="20577"/>
+      <pc:docMkLst>
+        <pc:docMk/>
+      </pc:docMkLst>
+      <pc:sldChg chg="modSp modAnim">
+        <pc:chgData name="Eveline Tiekink" userId="6058ae45eb5242b7" providerId="LiveId" clId="{B368888F-42D6-4754-8986-253CB4402C58}" dt="2018-12-19T10:17:06.211" v="623"/>
+        <pc:sldMkLst>
+          <pc:docMk/>
+          <pc:sldMk cId="3357264709" sldId="260"/>
+        </pc:sldMkLst>
+        <pc:spChg chg="mod">
+          <ac:chgData name="Eveline Tiekink" userId="6058ae45eb5242b7" providerId="LiveId" clId="{B368888F-42D6-4754-8986-253CB4402C58}" dt="2018-12-19T10:17:06.211" v="623"/>
+          <ac:spMkLst>
+            <pc:docMk/>
+            <pc:sldMk cId="3357264709" sldId="260"/>
+            <ac:spMk id="3" creationId="{EFD33601-E7C0-4701-A19B-17BAB89029EF}"/>
+          </ac:spMkLst>
+        </pc:spChg>
+      </pc:sldChg>
+      <pc:sldChg chg="modSp modAnim">
+        <pc:chgData name="Eveline Tiekink" userId="6058ae45eb5242b7" providerId="LiveId" clId="{B368888F-42D6-4754-8986-253CB4402C58}" dt="2018-12-19T10:18:08.518" v="692" actId="20577"/>
+        <pc:sldMkLst>
+          <pc:docMk/>
+          <pc:sldMk cId="1402981865" sldId="270"/>
+        </pc:sldMkLst>
+        <pc:spChg chg="mod">
+          <ac:chgData name="Eveline Tiekink" userId="6058ae45eb5242b7" providerId="LiveId" clId="{B368888F-42D6-4754-8986-253CB4402C58}" dt="2018-12-19T10:18:08.518" v="692" actId="20577"/>
+          <ac:spMkLst>
+            <pc:docMk/>
+            <pc:sldMk cId="1402981865" sldId="270"/>
+            <ac:spMk id="3" creationId="{73F00F81-1FA2-4CBC-BA87-E81EADFD710D}"/>
+          </ac:spMkLst>
+        </pc:spChg>
+      </pc:sldChg>
+      <pc:sldChg chg="modSp modAnim">
+        <pc:chgData name="Eveline Tiekink" userId="6058ae45eb5242b7" providerId="LiveId" clId="{B368888F-42D6-4754-8986-253CB4402C58}" dt="2018-12-19T09:56:46.762" v="455" actId="27636"/>
+        <pc:sldMkLst>
+          <pc:docMk/>
+          <pc:sldMk cId="1515718442" sldId="283"/>
+        </pc:sldMkLst>
+        <pc:spChg chg="mod">
+          <ac:chgData name="Eveline Tiekink" userId="6058ae45eb5242b7" providerId="LiveId" clId="{B368888F-42D6-4754-8986-253CB4402C58}" dt="2018-12-19T09:56:46.762" v="455" actId="27636"/>
+          <ac:spMkLst>
+            <pc:docMk/>
+            <pc:sldMk cId="1515718442" sldId="283"/>
+            <ac:spMk id="14" creationId="{9AC94BFB-0791-431D-B287-78E1C9E3273C}"/>
+          </ac:spMkLst>
+        </pc:spChg>
+      </pc:sldChg>
+      <pc:sldChg chg="modAnim">
+        <pc:chgData name="Eveline Tiekink" userId="6058ae45eb5242b7" providerId="LiveId" clId="{B368888F-42D6-4754-8986-253CB4402C58}" dt="2018-12-19T09:57:53.149" v="457"/>
+        <pc:sldMkLst>
+          <pc:docMk/>
+          <pc:sldMk cId="2610375231" sldId="284"/>
+        </pc:sldMkLst>
+      </pc:sldChg>
+      <pc:sldChg chg="modSp modAnim">
+        <pc:chgData name="Eveline Tiekink" userId="6058ae45eb5242b7" providerId="LiveId" clId="{B368888F-42D6-4754-8986-253CB4402C58}" dt="2018-12-19T09:40:59.593" v="50"/>
+        <pc:sldMkLst>
+          <pc:docMk/>
+          <pc:sldMk cId="2143635400" sldId="285"/>
+        </pc:sldMkLst>
+        <pc:spChg chg="mod">
+          <ac:chgData name="Eveline Tiekink" userId="6058ae45eb5242b7" providerId="LiveId" clId="{B368888F-42D6-4754-8986-253CB4402C58}" dt="2018-12-19T09:40:43.868" v="49" actId="20577"/>
+          <ac:spMkLst>
+            <pc:docMk/>
+            <pc:sldMk cId="2143635400" sldId="285"/>
+            <ac:spMk id="3" creationId="{E6009166-4F72-4515-839B-3651E493F8AC}"/>
+          </ac:spMkLst>
+        </pc:spChg>
+      </pc:sldChg>
+      <pc:sldChg chg="modSp modAnim">
+        <pc:chgData name="Eveline Tiekink" userId="6058ae45eb5242b7" providerId="LiveId" clId="{B368888F-42D6-4754-8986-253CB4402C58}" dt="2018-12-19T09:59:52.217" v="464"/>
+        <pc:sldMkLst>
+          <pc:docMk/>
+          <pc:sldMk cId="2343836998" sldId="286"/>
+        </pc:sldMkLst>
+        <pc:spChg chg="mod">
+          <ac:chgData name="Eveline Tiekink" userId="6058ae45eb5242b7" providerId="LiveId" clId="{B368888F-42D6-4754-8986-253CB4402C58}" dt="2018-12-19T09:45:18.984" v="304" actId="20577"/>
+          <ac:spMkLst>
+            <pc:docMk/>
+            <pc:sldMk cId="2343836998" sldId="286"/>
+            <ac:spMk id="3" creationId="{1E7ABCEC-E130-4816-8DC7-9C44CC01A008}"/>
+          </ac:spMkLst>
+        </pc:spChg>
+      </pc:sldChg>
+      <pc:sldChg chg="addSp delSp modSp">
+        <pc:chgData name="Eveline Tiekink" userId="6058ae45eb5242b7" providerId="LiveId" clId="{B368888F-42D6-4754-8986-253CB4402C58}" dt="2018-12-19T10:14:35.489" v="621" actId="1076"/>
+        <pc:sldMkLst>
+          <pc:docMk/>
+          <pc:sldMk cId="2471474141" sldId="287"/>
+        </pc:sldMkLst>
+        <pc:picChg chg="add mod">
+          <ac:chgData name="Eveline Tiekink" userId="6058ae45eb5242b7" providerId="LiveId" clId="{B368888F-42D6-4754-8986-253CB4402C58}" dt="2018-12-19T10:14:35.489" v="621" actId="1076"/>
+          <ac:picMkLst>
+            <pc:docMk/>
+            <pc:sldMk cId="2471474141" sldId="287"/>
+            <ac:picMk id="6" creationId="{C00FD2E3-7085-4E12-BEF2-ECF386DFEA6F}"/>
+          </ac:picMkLst>
+        </pc:picChg>
+        <pc:picChg chg="add del">
+          <ac:chgData name="Eveline Tiekink" userId="6058ae45eb5242b7" providerId="LiveId" clId="{B368888F-42D6-4754-8986-253CB4402C58}" dt="2018-12-19T10:13:50.836" v="614" actId="478"/>
+          <ac:picMkLst>
+            <pc:docMk/>
+            <pc:sldMk cId="2471474141" sldId="287"/>
+            <ac:picMk id="10" creationId="{077F523F-9DA9-4A18-A43D-607204CC9BAD}"/>
+          </ac:picMkLst>
+        </pc:picChg>
+      </pc:sldChg>
+      <pc:sldChg chg="modSp">
+        <pc:chgData name="Eveline Tiekink" userId="6058ae45eb5242b7" providerId="LiveId" clId="{B368888F-42D6-4754-8986-253CB4402C58}" dt="2018-12-19T09:50:15.224" v="439" actId="14100"/>
+        <pc:sldMkLst>
+          <pc:docMk/>
+          <pc:sldMk cId="3455944079" sldId="289"/>
+        </pc:sldMkLst>
+        <pc:spChg chg="mod">
+          <ac:chgData name="Eveline Tiekink" userId="6058ae45eb5242b7" providerId="LiveId" clId="{B368888F-42D6-4754-8986-253CB4402C58}" dt="2018-12-19T09:49:56.231" v="390" actId="20577"/>
+          <ac:spMkLst>
+            <pc:docMk/>
+            <pc:sldMk cId="3455944079" sldId="289"/>
+            <ac:spMk id="2" creationId="{176D83C0-7A6F-4241-8E0D-0E38482A2735}"/>
+          </ac:spMkLst>
+        </pc:spChg>
+        <pc:spChg chg="mod">
+          <ac:chgData name="Eveline Tiekink" userId="6058ae45eb5242b7" providerId="LiveId" clId="{B368888F-42D6-4754-8986-253CB4402C58}" dt="2018-12-19T09:50:15.224" v="439" actId="14100"/>
+          <ac:spMkLst>
+            <pc:docMk/>
+            <pc:sldMk cId="3455944079" sldId="289"/>
+            <ac:spMk id="3" creationId="{B599E6BB-A6D3-4D77-A8BB-4F0709B7AA6F}"/>
+          </ac:spMkLst>
+        </pc:spChg>
+      </pc:sldChg>
+      <pc:sldChg chg="modSp">
+        <pc:chgData name="Eveline Tiekink" userId="6058ae45eb5242b7" providerId="LiveId" clId="{B368888F-42D6-4754-8986-253CB4402C58}" dt="2018-12-19T09:47:42.034" v="314" actId="1076"/>
+        <pc:sldMkLst>
+          <pc:docMk/>
+          <pc:sldMk cId="260989169" sldId="291"/>
+        </pc:sldMkLst>
+        <pc:spChg chg="mod">
+          <ac:chgData name="Eveline Tiekink" userId="6058ae45eb5242b7" providerId="LiveId" clId="{B368888F-42D6-4754-8986-253CB4402C58}" dt="2018-12-19T09:47:42.034" v="314" actId="1076"/>
+          <ac:spMkLst>
+            <pc:docMk/>
+            <pc:sldMk cId="260989169" sldId="291"/>
+            <ac:spMk id="7" creationId="{0BB2D2BF-5E1F-4107-981F-7C6745E4930C}"/>
+          </ac:spMkLst>
+        </pc:spChg>
+      </pc:sldChg>
+      <pc:sldChg chg="modSp">
+        <pc:chgData name="Eveline Tiekink" userId="6058ae45eb5242b7" providerId="LiveId" clId="{B368888F-42D6-4754-8986-253CB4402C58}" dt="2018-12-19T10:02:05.164" v="494" actId="20577"/>
+        <pc:sldMkLst>
+          <pc:docMk/>
+          <pc:sldMk cId="3885076906" sldId="292"/>
+        </pc:sldMkLst>
+        <pc:spChg chg="mod">
+          <ac:chgData name="Eveline Tiekink" userId="6058ae45eb5242b7" providerId="LiveId" clId="{B368888F-42D6-4754-8986-253CB4402C58}" dt="2018-12-19T10:02:05.164" v="494" actId="20577"/>
+          <ac:spMkLst>
+            <pc:docMk/>
+            <pc:sldMk cId="3885076906" sldId="292"/>
+            <ac:spMk id="3" creationId="{73B33903-536C-43DD-AAFA-4D6F8F305E8A}"/>
+          </ac:spMkLst>
+        </pc:spChg>
+      </pc:sldChg>
+      <pc:sldChg chg="modSp add">
+        <pc:chgData name="Eveline Tiekink" userId="6058ae45eb5242b7" providerId="LiveId" clId="{B368888F-42D6-4754-8986-253CB4402C58}" dt="2018-12-19T10:20:24.847" v="707" actId="20577"/>
+        <pc:sldMkLst>
+          <pc:docMk/>
+          <pc:sldMk cId="1743912567" sldId="293"/>
+        </pc:sldMkLst>
+        <pc:spChg chg="mod">
+          <ac:chgData name="Eveline Tiekink" userId="6058ae45eb5242b7" providerId="LiveId" clId="{B368888F-42D6-4754-8986-253CB4402C58}" dt="2018-12-19T10:02:19.325" v="501" actId="20577"/>
+          <ac:spMkLst>
+            <pc:docMk/>
+            <pc:sldMk cId="1743912567" sldId="293"/>
+            <ac:spMk id="2" creationId="{C3818FD9-581E-4DB3-A4F2-32959790F6DF}"/>
+          </ac:spMkLst>
+        </pc:spChg>
+        <pc:spChg chg="mod">
+          <ac:chgData name="Eveline Tiekink" userId="6058ae45eb5242b7" providerId="LiveId" clId="{B368888F-42D6-4754-8986-253CB4402C58}" dt="2018-12-19T10:20:24.847" v="707" actId="20577"/>
+          <ac:spMkLst>
+            <pc:docMk/>
+            <pc:sldMk cId="1743912567" sldId="293"/>
+            <ac:spMk id="3" creationId="{D6C57738-0EDB-4A93-B2FB-1332281532D3}"/>
+          </ac:spMkLst>
+        </pc:spChg>
+      </pc:sldChg>
+      <pc:sldChg chg="add del">
+        <pc:chgData name="Eveline Tiekink" userId="6058ae45eb5242b7" providerId="LiveId" clId="{B368888F-42D6-4754-8986-253CB4402C58}" dt="2018-12-19T10:10:43.736" v="605"/>
+        <pc:sldMkLst>
+          <pc:docMk/>
+          <pc:sldMk cId="3105229220" sldId="294"/>
+        </pc:sldMkLst>
+      </pc:sldChg>
+    </pc:docChg>
+  </pc:docChgLst>
+</pc:chgInfo>
+</file>
+
 <file path=ppt/notesMasters/notesMaster1.xml><?xml version="1.0" encoding="utf-8"?>
 <p:notesMaster xmlns:a="http://schemas.openxmlformats.org/drawingml/2006/main" xmlns:r="http://schemas.openxmlformats.org/officeDocument/2006/relationships" xmlns:p="http://schemas.openxmlformats.org/presentationml/2006/main">
   <p:cSld>
@@ -209,7 +420,7 @@
           <a:p>
             <a:fld id="{6E4CFFD8-571C-48B2-909E-9B5FE253D121}" type="datetimeFigureOut">
               <a:rPr lang="nl-NL" smtClean="0"/>
-              <a:t>17-12-2018</a:t>
+              <a:t>19-12-2018</a:t>
             </a:fld>
             <a:endParaRPr lang="nl-NL"/>
           </a:p>
@@ -1344,7 +1555,7 @@
           <a:p>
             <a:fld id="{915C212C-AA9E-471F-8F2C-79C3F1380DBD}" type="datetime1">
               <a:rPr lang="en-US" smtClean="0"/>
-              <a:t>12/17/2018</a:t>
+              <a:t>12/19/2018</a:t>
             </a:fld>
             <a:endParaRPr lang="en-US" dirty="0"/>
           </a:p>
@@ -1596,7 +1807,7 @@
           <a:p>
             <a:fld id="{FB7E53C4-E009-4FF3-9ABA-23BEF57F95FF}" type="datetime1">
               <a:rPr lang="en-US" smtClean="0"/>
-              <a:t>12/17/2018</a:t>
+              <a:t>12/19/2018</a:t>
             </a:fld>
             <a:endParaRPr lang="en-US" dirty="0"/>
           </a:p>
@@ -1911,7 +2122,7 @@
           <a:p>
             <a:fld id="{9D963041-9051-4751-A7CE-4251DE9AA9F5}" type="datetime1">
               <a:rPr lang="en-US" smtClean="0"/>
-              <a:t>12/17/2018</a:t>
+              <a:t>12/19/2018</a:t>
             </a:fld>
             <a:endParaRPr lang="en-US" dirty="0"/>
           </a:p>
@@ -2239,7 +2450,7 @@
           <a:p>
             <a:fld id="{07225786-FA6E-416E-B448-7B8B92B4900D}" type="datetime1">
               <a:rPr lang="en-US" smtClean="0"/>
-              <a:t>12/17/2018</a:t>
+              <a:t>12/19/2018</a:t>
             </a:fld>
             <a:endParaRPr lang="en-US" dirty="0"/>
           </a:p>
@@ -2554,7 +2765,7 @@
           <a:p>
             <a:fld id="{9A5DC3A3-9491-486C-A8FA-8891B7468FEF}" type="datetime1">
               <a:rPr lang="en-US" smtClean="0"/>
-              <a:t>12/17/2018</a:t>
+              <a:t>12/19/2018</a:t>
             </a:fld>
             <a:endParaRPr lang="en-US" dirty="0"/>
           </a:p>
@@ -2942,7 +3153,7 @@
           <a:p>
             <a:fld id="{7FA76DF8-8C18-42AB-A9A8-3516A991D606}" type="datetime1">
               <a:rPr lang="en-US" smtClean="0"/>
-              <a:t>12/17/2018</a:t>
+              <a:t>12/19/2018</a:t>
             </a:fld>
             <a:endParaRPr lang="en-US" dirty="0"/>
           </a:p>
@@ -3113,7 +3324,7 @@
           <a:p>
             <a:fld id="{6B8BB696-2504-4344-B8B6-665C59FEF085}" type="datetime1">
               <a:rPr lang="en-US" smtClean="0"/>
-              <a:t>12/17/2018</a:t>
+              <a:t>12/19/2018</a:t>
             </a:fld>
             <a:endParaRPr lang="en-US" dirty="0"/>
           </a:p>
@@ -3293,7 +3504,7 @@
           <a:p>
             <a:fld id="{B66F65A6-123E-446E-9B3D-37EB99261D03}" type="datetime1">
               <a:rPr lang="en-US" smtClean="0"/>
-              <a:t>12/17/2018</a:t>
+              <a:t>12/19/2018</a:t>
             </a:fld>
             <a:endParaRPr lang="en-US" dirty="0"/>
           </a:p>
@@ -3464,7 +3675,7 @@
           <a:p>
             <a:fld id="{54E05490-F7CC-4246-84AD-9DE580AA4DDC}" type="datetime1">
               <a:rPr lang="en-US" smtClean="0"/>
-              <a:t>12/17/2018</a:t>
+              <a:t>12/19/2018</a:t>
             </a:fld>
             <a:endParaRPr lang="en-US" dirty="0"/>
           </a:p>
@@ -3711,7 +3922,7 @@
           <a:p>
             <a:fld id="{8AB0F6CD-7C14-4E02-855B-CBBC06453CF1}" type="datetime1">
               <a:rPr lang="en-US" smtClean="0"/>
-              <a:t>12/17/2018</a:t>
+              <a:t>12/19/2018</a:t>
             </a:fld>
             <a:endParaRPr lang="en-US" dirty="0"/>
           </a:p>
@@ -3944,7 +4155,7 @@
           <a:p>
             <a:fld id="{041ECFB0-8181-4CD6-B7F1-11873F6F5E52}" type="datetime1">
               <a:rPr lang="en-US" smtClean="0"/>
-              <a:t>12/17/2018</a:t>
+              <a:t>12/19/2018</a:t>
             </a:fld>
             <a:endParaRPr lang="en-US" dirty="0"/>
           </a:p>
@@ -4318,7 +4529,7 @@
           <a:p>
             <a:fld id="{0A915E25-8C4F-43A9-AF71-35B991E5C636}" type="datetime1">
               <a:rPr lang="en-US" smtClean="0"/>
-              <a:t>12/17/2018</a:t>
+              <a:t>12/19/2018</a:t>
             </a:fld>
             <a:endParaRPr lang="en-US" dirty="0"/>
           </a:p>
@@ -4442,7 +4653,7 @@
           <a:p>
             <a:fld id="{232E1443-F622-4CA7-BE04-B7B0B4534BB5}" type="datetime1">
               <a:rPr lang="en-US" smtClean="0"/>
-              <a:t>12/17/2018</a:t>
+              <a:t>12/19/2018</a:t>
             </a:fld>
             <a:endParaRPr lang="en-US" dirty="0"/>
           </a:p>
@@ -4538,7 +4749,7 @@
           <a:p>
             <a:fld id="{7AC9C8FF-70B3-4F4B-9701-0532BD433838}" type="datetime1">
               <a:rPr lang="en-US" smtClean="0"/>
-              <a:t>12/17/2018</a:t>
+              <a:t>12/19/2018</a:t>
             </a:fld>
             <a:endParaRPr lang="en-US" dirty="0"/>
           </a:p>
@@ -4794,7 +5005,7 @@
           <a:p>
             <a:fld id="{5F7D8D02-AD56-41AF-B69A-51963A96B9E1}" type="datetime1">
               <a:rPr lang="en-US" smtClean="0"/>
-              <a:t>12/17/2018</a:t>
+              <a:t>12/19/2018</a:t>
             </a:fld>
             <a:endParaRPr lang="en-US" dirty="0"/>
           </a:p>
@@ -5057,7 +5268,7 @@
           <a:p>
             <a:fld id="{DFB53330-7D90-43C4-8A89-9FBABBBA65B6}" type="datetime1">
               <a:rPr lang="en-US" smtClean="0"/>
-              <a:t>12/17/2018</a:t>
+              <a:t>12/19/2018</a:t>
             </a:fld>
             <a:endParaRPr lang="en-US" dirty="0"/>
           </a:p>
@@ -5803,7 +6014,7 @@
           <a:p>
             <a:fld id="{482F7210-9113-435B-82C7-CBA2CECA4573}" type="datetime1">
               <a:rPr lang="en-US" smtClean="0"/>
-              <a:t>12/17/2018</a:t>
+              <a:t>12/19/2018</a:t>
             </a:fld>
             <a:endParaRPr lang="en-US" dirty="0"/>
           </a:p>
@@ -6555,7 +6766,7 @@
           <a:bodyPr/>
           <a:lstStyle/>
           <a:p>
-            <a:endParaRPr lang="en-US"/>
+            <a:endParaRPr lang="en-US" dirty="0"/>
           </a:p>
         </p:txBody>
       </p:sp>
@@ -7020,8 +7231,8 @@
         </p:nvSpPr>
         <p:spPr>
           <a:xfrm>
-            <a:off x="4218562" y="2160589"/>
-            <a:ext cx="2310751" cy="3982303"/>
+            <a:off x="4876801" y="2480733"/>
+            <a:ext cx="1769532" cy="1896534"/>
           </a:xfrm>
           <a:prstGeom prst="ellipse">
             <a:avLst/>
@@ -7139,6 +7350,33 @@
             </a:r>
           </a:p>
           <a:p>
+            <a:pPr lvl="1"/>
+            <a:r>
+              <a:rPr lang="nl-NL" dirty="0"/>
+              <a:t>Score </a:t>
+            </a:r>
+            <a:r>
+              <a:rPr lang="nl-NL" dirty="0" err="1"/>
+              <a:t>Greedy</a:t>
+            </a:r>
+            <a:r>
+              <a:rPr lang="nl-NL" dirty="0"/>
+              <a:t>: 15 679 426</a:t>
+            </a:r>
+          </a:p>
+          <a:p>
+            <a:pPr lvl="1"/>
+            <a:r>
+              <a:rPr lang="nl-NL" dirty="0"/>
+              <a:t>Score </a:t>
+            </a:r>
+            <a:r>
+              <a:rPr lang="nl-NL" dirty="0" err="1"/>
+              <a:t>Hillclimber</a:t>
+            </a:r>
+            <a:endParaRPr lang="nl-NL" dirty="0"/>
+          </a:p>
+          <a:p>
             <a:r>
               <a:rPr lang="nl-NL" dirty="0"/>
               <a:t>Combineren van een constructief en iteratief algoritme maakt betere keuzes</a:t>
@@ -7231,19 +7469,7 @@
           <a:p>
             <a:r>
               <a:rPr lang="nl-NL" dirty="0"/>
-              <a:t>Discussie + </a:t>
-            </a:r>
-            <a:r>
-              <a:rPr lang="nl-NL" dirty="0" err="1"/>
-              <a:t>Future</a:t>
-            </a:r>
-            <a:r>
-              <a:rPr lang="nl-NL" dirty="0"/>
-              <a:t> </a:t>
-            </a:r>
-            <a:r>
-              <a:rPr lang="nl-NL" dirty="0" err="1"/>
-              <a:t>Work</a:t>
+              <a:t>Discussie en aanbevelingen</a:t>
             </a:r>
             <a:endParaRPr lang="en-US" dirty="0"/>
           </a:p>
@@ -7265,7 +7491,12 @@
             <p:ph idx="1"/>
           </p:nvPr>
         </p:nvSpPr>
-        <p:spPr/>
+        <p:spPr>
+          <a:xfrm>
+            <a:off x="677334" y="2160589"/>
+            <a:ext cx="8596668" cy="2842335"/>
+          </a:xfrm>
+        </p:spPr>
         <p:txBody>
           <a:bodyPr/>
           <a:lstStyle/>
@@ -7276,6 +7507,13 @@
             </a:r>
           </a:p>
           <a:p>
+            <a:pPr lvl="1"/>
+            <a:r>
+              <a:rPr lang="nl-NL" dirty="0"/>
+              <a:t>Checken op plattegrond of er water in past</a:t>
+            </a:r>
+          </a:p>
+          <a:p>
             <a:r>
               <a:rPr lang="nl-NL" dirty="0" err="1"/>
               <a:t>Hillclimber</a:t>
@@ -7303,18 +7541,6 @@
               <a:rPr lang="nl-NL" dirty="0"/>
               <a:t>Combineren van alle algoritmes</a:t>
             </a:r>
-          </a:p>
-          <a:p>
-            <a:endParaRPr lang="nl-NL" dirty="0"/>
-          </a:p>
-          <a:p>
-            <a:endParaRPr lang="nl-NL" dirty="0"/>
-          </a:p>
-          <a:p>
-            <a:endParaRPr lang="nl-NL" dirty="0"/>
-          </a:p>
-          <a:p>
-            <a:endParaRPr lang="en-US" dirty="0"/>
           </a:p>
         </p:txBody>
       </p:sp>
@@ -7351,6 +7577,147 @@
     <p:extLst>
       <p:ext uri="{BB962C8B-B14F-4D97-AF65-F5344CB8AC3E}">
         <p14:creationId xmlns:p14="http://schemas.microsoft.com/office/powerpoint/2010/main" val="3455944079"/>
+      </p:ext>
+    </p:extLst>
+  </p:cSld>
+  <p:clrMapOvr>
+    <a:masterClrMapping/>
+  </p:clrMapOvr>
+</p:sld>
+</file>
+
+<file path=ppt/slides/slide14.xml><?xml version="1.0" encoding="utf-8"?>
+<p:sld xmlns:a="http://schemas.openxmlformats.org/drawingml/2006/main" xmlns:r="http://schemas.openxmlformats.org/officeDocument/2006/relationships" xmlns:p="http://schemas.openxmlformats.org/presentationml/2006/main">
+  <p:cSld>
+    <p:spTree>
+      <p:nvGrpSpPr>
+        <p:cNvPr id="1" name=""/>
+        <p:cNvGrpSpPr/>
+        <p:nvPr/>
+      </p:nvGrpSpPr>
+      <p:grpSpPr>
+        <a:xfrm>
+          <a:off x="0" y="0"/>
+          <a:ext cx="0" cy="0"/>
+          <a:chOff x="0" y="0"/>
+          <a:chExt cx="0" cy="0"/>
+        </a:xfrm>
+      </p:grpSpPr>
+      <p:sp>
+        <p:nvSpPr>
+          <p:cNvPr id="2" name="Titel 1">
+            <a:extLst>
+              <a:ext uri="{FF2B5EF4-FFF2-40B4-BE49-F238E27FC236}">
+                <a16:creationId xmlns:a16="http://schemas.microsoft.com/office/drawing/2014/main" id="{C3818FD9-581E-4DB3-A4F2-32959790F6DF}"/>
+              </a:ext>
+            </a:extLst>
+          </p:cNvPr>
+          <p:cNvSpPr>
+            <a:spLocks noGrp="1"/>
+          </p:cNvSpPr>
+          <p:nvPr>
+            <p:ph type="title"/>
+          </p:nvPr>
+        </p:nvSpPr>
+        <p:spPr/>
+        <p:txBody>
+          <a:bodyPr/>
+          <a:lstStyle/>
+          <a:p>
+            <a:r>
+              <a:rPr lang="nl-NL" dirty="0"/>
+              <a:t>Vragen</a:t>
+            </a:r>
+          </a:p>
+        </p:txBody>
+      </p:sp>
+      <p:sp>
+        <p:nvSpPr>
+          <p:cNvPr id="3" name="Tijdelijke aanduiding voor inhoud 2">
+            <a:extLst>
+              <a:ext uri="{FF2B5EF4-FFF2-40B4-BE49-F238E27FC236}">
+                <a16:creationId xmlns:a16="http://schemas.microsoft.com/office/drawing/2014/main" id="{D6C57738-0EDB-4A93-B2FB-1332281532D3}"/>
+              </a:ext>
+            </a:extLst>
+          </p:cNvPr>
+          <p:cNvSpPr>
+            <a:spLocks noGrp="1"/>
+          </p:cNvSpPr>
+          <p:nvPr>
+            <p:ph idx="1"/>
+          </p:nvPr>
+        </p:nvSpPr>
+        <p:spPr/>
+        <p:txBody>
+          <a:bodyPr/>
+          <a:lstStyle/>
+          <a:p>
+            <a:r>
+              <a:rPr lang="nl-NL" dirty="0"/>
+              <a:t>Dank aan</a:t>
+            </a:r>
+          </a:p>
+          <a:p>
+            <a:pPr lvl="1"/>
+            <a:r>
+              <a:rPr lang="nl-NL" dirty="0"/>
+              <a:t>Angelo Groot</a:t>
+            </a:r>
+          </a:p>
+          <a:p>
+            <a:pPr lvl="1"/>
+            <a:r>
+              <a:rPr lang="nl-NL" dirty="0"/>
+              <a:t>Bas </a:t>
+            </a:r>
+            <a:r>
+              <a:rPr lang="nl-NL" dirty="0" err="1"/>
+              <a:t>Terwijn</a:t>
+            </a:r>
+            <a:endParaRPr lang="nl-NL" dirty="0"/>
+          </a:p>
+          <a:p>
+            <a:pPr lvl="1"/>
+            <a:r>
+              <a:rPr lang="nl-NL" dirty="0"/>
+              <a:t>Drs. Daan van den Berg</a:t>
+            </a:r>
+          </a:p>
+        </p:txBody>
+      </p:sp>
+      <p:sp>
+        <p:nvSpPr>
+          <p:cNvPr id="4" name="Tijdelijke aanduiding voor dianummer 3">
+            <a:extLst>
+              <a:ext uri="{FF2B5EF4-FFF2-40B4-BE49-F238E27FC236}">
+                <a16:creationId xmlns:a16="http://schemas.microsoft.com/office/drawing/2014/main" id="{BDB3090E-48E3-4437-94D6-6AE399EF7DAD}"/>
+              </a:ext>
+            </a:extLst>
+          </p:cNvPr>
+          <p:cNvSpPr>
+            <a:spLocks noGrp="1"/>
+          </p:cNvSpPr>
+          <p:nvPr>
+            <p:ph type="sldNum" sz="quarter" idx="12"/>
+          </p:nvPr>
+        </p:nvSpPr>
+        <p:spPr/>
+        <p:txBody>
+          <a:bodyPr/>
+          <a:lstStyle/>
+          <a:p>
+            <a:fld id="{519954A3-9DFD-4C44-94BA-B95130A3BA1C}" type="slidenum">
+              <a:rPr lang="en-US" smtClean="0"/>
+              <a:t>14</a:t>
+            </a:fld>
+            <a:endParaRPr lang="en-US" dirty="0"/>
+          </a:p>
+        </p:txBody>
+      </p:sp>
+    </p:spTree>
+    <p:extLst>
+      <p:ext uri="{BB962C8B-B14F-4D97-AF65-F5344CB8AC3E}">
+        <p14:creationId xmlns:p14="http://schemas.microsoft.com/office/powerpoint/2010/main" val="1743912567"/>
       </p:ext>
     </p:extLst>
   </p:cSld>
@@ -7484,7 +7851,7 @@
             <a:pPr lvl="1"/>
             <a:r>
               <a:rPr lang="nl-NL" dirty="0"/>
-              <a:t>Dept first</a:t>
+              <a:t>Depth first</a:t>
             </a:r>
           </a:p>
           <a:p>
@@ -8929,7 +9296,7 @@
         <p:spPr>
           <a:xfrm>
             <a:off x="5861540" y="1383323"/>
-            <a:ext cx="4337537" cy="3767450"/>
+            <a:ext cx="4337537" cy="3745725"/>
           </a:xfrm>
           <a:prstGeom prst="rect">
             <a:avLst/>
@@ -8937,7 +9304,7 @@
         </p:spPr>
         <p:txBody>
           <a:bodyPr vert="horz" lIns="91440" tIns="45720" rIns="91440" bIns="45720" rtlCol="0">
-            <a:normAutofit/>
+            <a:normAutofit lnSpcReduction="10000"/>
           </a:bodyPr>
           <a:lstStyle>
             <a:lvl1pPr marL="342900" indent="-342900" algn="l" defTabSz="457200" rtl="0" eaLnBrk="1" latinLnBrk="0" hangingPunct="1">
@@ -9220,7 +9587,7 @@
           <a:p>
             <a:r>
               <a:rPr lang="nl-NL" dirty="0"/>
-              <a:t>Ieder huis heeft minimale </a:t>
+              <a:t>Ieder huis heeft een minimale </a:t>
             </a:r>
             <a:r>
               <a:rPr lang="nl-NL" dirty="0" err="1"/>
@@ -9254,6 +9621,276 @@
   <p:clrMapOvr>
     <a:masterClrMapping/>
   </p:clrMapOvr>
+  <p:timing>
+    <p:tnLst>
+      <p:par>
+        <p:cTn id="1" dur="indefinite" restart="never" nodeType="tmRoot">
+          <p:childTnLst>
+            <p:seq concurrent="1" nextAc="seek">
+              <p:cTn id="2" dur="indefinite" nodeType="mainSeq">
+                <p:childTnLst>
+                  <p:par>
+                    <p:cTn id="3" fill="hold">
+                      <p:stCondLst>
+                        <p:cond delay="indefinite"/>
+                      </p:stCondLst>
+                      <p:childTnLst>
+                        <p:par>
+                          <p:cTn id="4" fill="hold">
+                            <p:stCondLst>
+                              <p:cond delay="0"/>
+                            </p:stCondLst>
+                            <p:childTnLst>
+                              <p:par>
+                                <p:cTn id="5" presetID="1" presetClass="entr" presetSubtype="0" fill="hold" nodeType="clickEffect">
+                                  <p:stCondLst>
+                                    <p:cond delay="0"/>
+                                  </p:stCondLst>
+                                  <p:childTnLst>
+                                    <p:set>
+                                      <p:cBhvr>
+                                        <p:cTn id="6" dur="1" fill="hold">
+                                          <p:stCondLst>
+                                            <p:cond delay="0"/>
+                                          </p:stCondLst>
+                                        </p:cTn>
+                                        <p:tgtEl>
+                                          <p:spTgt spid="14">
+                                            <p:txEl>
+                                              <p:pRg st="1" end="1"/>
+                                            </p:txEl>
+                                          </p:spTgt>
+                                        </p:tgtEl>
+                                        <p:attrNameLst>
+                                          <p:attrName>style.visibility</p:attrName>
+                                        </p:attrNameLst>
+                                      </p:cBhvr>
+                                      <p:to>
+                                        <p:strVal val="visible"/>
+                                      </p:to>
+                                    </p:set>
+                                  </p:childTnLst>
+                                </p:cTn>
+                              </p:par>
+                              <p:par>
+                                <p:cTn id="7" presetID="1" presetClass="entr" presetSubtype="0" fill="hold" nodeType="withEffect">
+                                  <p:stCondLst>
+                                    <p:cond delay="0"/>
+                                  </p:stCondLst>
+                                  <p:childTnLst>
+                                    <p:set>
+                                      <p:cBhvr>
+                                        <p:cTn id="8" dur="1" fill="hold">
+                                          <p:stCondLst>
+                                            <p:cond delay="0"/>
+                                          </p:stCondLst>
+                                        </p:cTn>
+                                        <p:tgtEl>
+                                          <p:spTgt spid="14">
+                                            <p:txEl>
+                                              <p:pRg st="2" end="2"/>
+                                            </p:txEl>
+                                          </p:spTgt>
+                                        </p:tgtEl>
+                                        <p:attrNameLst>
+                                          <p:attrName>style.visibility</p:attrName>
+                                        </p:attrNameLst>
+                                      </p:cBhvr>
+                                      <p:to>
+                                        <p:strVal val="visible"/>
+                                      </p:to>
+                                    </p:set>
+                                  </p:childTnLst>
+                                </p:cTn>
+                              </p:par>
+                              <p:par>
+                                <p:cTn id="9" presetID="1" presetClass="entr" presetSubtype="0" fill="hold" nodeType="withEffect">
+                                  <p:stCondLst>
+                                    <p:cond delay="0"/>
+                                  </p:stCondLst>
+                                  <p:childTnLst>
+                                    <p:set>
+                                      <p:cBhvr>
+                                        <p:cTn id="10" dur="1" fill="hold">
+                                          <p:stCondLst>
+                                            <p:cond delay="0"/>
+                                          </p:stCondLst>
+                                        </p:cTn>
+                                        <p:tgtEl>
+                                          <p:spTgt spid="14">
+                                            <p:txEl>
+                                              <p:pRg st="3" end="3"/>
+                                            </p:txEl>
+                                          </p:spTgt>
+                                        </p:tgtEl>
+                                        <p:attrNameLst>
+                                          <p:attrName>style.visibility</p:attrName>
+                                        </p:attrNameLst>
+                                      </p:cBhvr>
+                                      <p:to>
+                                        <p:strVal val="visible"/>
+                                      </p:to>
+                                    </p:set>
+                                  </p:childTnLst>
+                                </p:cTn>
+                              </p:par>
+                              <p:par>
+                                <p:cTn id="11" presetID="1" presetClass="entr" presetSubtype="0" fill="hold" nodeType="withEffect">
+                                  <p:stCondLst>
+                                    <p:cond delay="0"/>
+                                  </p:stCondLst>
+                                  <p:childTnLst>
+                                    <p:set>
+                                      <p:cBhvr>
+                                        <p:cTn id="12" dur="1" fill="hold">
+                                          <p:stCondLst>
+                                            <p:cond delay="0"/>
+                                          </p:stCondLst>
+                                        </p:cTn>
+                                        <p:tgtEl>
+                                          <p:spTgt spid="14">
+                                            <p:txEl>
+                                              <p:pRg st="4" end="4"/>
+                                            </p:txEl>
+                                          </p:spTgt>
+                                        </p:tgtEl>
+                                        <p:attrNameLst>
+                                          <p:attrName>style.visibility</p:attrName>
+                                        </p:attrNameLst>
+                                      </p:cBhvr>
+                                      <p:to>
+                                        <p:strVal val="visible"/>
+                                      </p:to>
+                                    </p:set>
+                                  </p:childTnLst>
+                                </p:cTn>
+                              </p:par>
+                            </p:childTnLst>
+                          </p:cTn>
+                        </p:par>
+                      </p:childTnLst>
+                    </p:cTn>
+                  </p:par>
+                  <p:par>
+                    <p:cTn id="13" fill="hold">
+                      <p:stCondLst>
+                        <p:cond delay="indefinite"/>
+                      </p:stCondLst>
+                      <p:childTnLst>
+                        <p:par>
+                          <p:cTn id="14" fill="hold">
+                            <p:stCondLst>
+                              <p:cond delay="0"/>
+                            </p:stCondLst>
+                            <p:childTnLst>
+                              <p:par>
+                                <p:cTn id="15" presetID="1" presetClass="entr" presetSubtype="0" fill="hold" nodeType="clickEffect">
+                                  <p:stCondLst>
+                                    <p:cond delay="0"/>
+                                  </p:stCondLst>
+                                  <p:childTnLst>
+                                    <p:set>
+                                      <p:cBhvr>
+                                        <p:cTn id="16" dur="1" fill="hold">
+                                          <p:stCondLst>
+                                            <p:cond delay="0"/>
+                                          </p:stCondLst>
+                                        </p:cTn>
+                                        <p:tgtEl>
+                                          <p:spTgt spid="14">
+                                            <p:txEl>
+                                              <p:pRg st="5" end="5"/>
+                                            </p:txEl>
+                                          </p:spTgt>
+                                        </p:tgtEl>
+                                        <p:attrNameLst>
+                                          <p:attrName>style.visibility</p:attrName>
+                                        </p:attrNameLst>
+                                      </p:cBhvr>
+                                      <p:to>
+                                        <p:strVal val="visible"/>
+                                      </p:to>
+                                    </p:set>
+                                  </p:childTnLst>
+                                </p:cTn>
+                              </p:par>
+                            </p:childTnLst>
+                          </p:cTn>
+                        </p:par>
+                      </p:childTnLst>
+                    </p:cTn>
+                  </p:par>
+                  <p:par>
+                    <p:cTn id="17" fill="hold">
+                      <p:stCondLst>
+                        <p:cond delay="indefinite"/>
+                      </p:stCondLst>
+                      <p:childTnLst>
+                        <p:par>
+                          <p:cTn id="18" fill="hold">
+                            <p:stCondLst>
+                              <p:cond delay="0"/>
+                            </p:stCondLst>
+                            <p:childTnLst>
+                              <p:par>
+                                <p:cTn id="19" presetID="1" presetClass="entr" presetSubtype="0" fill="hold" nodeType="clickEffect">
+                                  <p:stCondLst>
+                                    <p:cond delay="0"/>
+                                  </p:stCondLst>
+                                  <p:childTnLst>
+                                    <p:set>
+                                      <p:cBhvr>
+                                        <p:cTn id="20" dur="1" fill="hold">
+                                          <p:stCondLst>
+                                            <p:cond delay="0"/>
+                                          </p:stCondLst>
+                                        </p:cTn>
+                                        <p:tgtEl>
+                                          <p:spTgt spid="14">
+                                            <p:txEl>
+                                              <p:pRg st="6" end="6"/>
+                                            </p:txEl>
+                                          </p:spTgt>
+                                        </p:tgtEl>
+                                        <p:attrNameLst>
+                                          <p:attrName>style.visibility</p:attrName>
+                                        </p:attrNameLst>
+                                      </p:cBhvr>
+                                      <p:to>
+                                        <p:strVal val="visible"/>
+                                      </p:to>
+                                    </p:set>
+                                  </p:childTnLst>
+                                </p:cTn>
+                              </p:par>
+                            </p:childTnLst>
+                          </p:cTn>
+                        </p:par>
+                      </p:childTnLst>
+                    </p:cTn>
+                  </p:par>
+                </p:childTnLst>
+              </p:cTn>
+              <p:prevCondLst>
+                <p:cond evt="onPrev" delay="0">
+                  <p:tgtEl>
+                    <p:sldTgt/>
+                  </p:tgtEl>
+                </p:cond>
+              </p:prevCondLst>
+              <p:nextCondLst>
+                <p:cond evt="onNext" delay="0">
+                  <p:tgtEl>
+                    <p:sldTgt/>
+                  </p:tgtEl>
+                </p:cond>
+              </p:nextCondLst>
+            </p:seq>
+          </p:childTnLst>
+        </p:cTn>
+      </p:par>
+    </p:tnLst>
+  </p:timing>
 </p:sld>
 </file>
 
@@ -9461,7 +10098,7 @@
           <a:p>
             <a:r>
               <a:rPr lang="en-US" dirty="0"/>
-              <a:t>score = </a:t>
+              <a:t>Score = </a:t>
             </a:r>
             <a:r>
               <a:rPr lang="en-US" dirty="0" err="1"/>
@@ -9481,45 +10118,21 @@
             </a:r>
             <a:r>
               <a:rPr lang="en-US" baseline="30000" dirty="0"/>
-              <a:t>min((</a:t>
+              <a:t>min(</a:t>
             </a:r>
             <a:r>
               <a:rPr lang="en-US" baseline="30000" dirty="0" err="1"/>
-              <a:t>gridHeight</a:t>
+              <a:t>freeSpace</a:t>
             </a:r>
             <a:r>
               <a:rPr lang="en-US" baseline="30000" dirty="0"/>
-              <a:t> - </a:t>
-            </a:r>
-            <a:r>
-              <a:rPr lang="en-US" baseline="30000" dirty="0" err="1"/>
-              <a:t>houseHeight</a:t>
-            </a:r>
-            <a:r>
-              <a:rPr lang="en-US" baseline="30000" dirty="0"/>
-              <a:t>)/2, (</a:t>
-            </a:r>
-            <a:r>
-              <a:rPr lang="en-US" baseline="30000" dirty="0" err="1"/>
-              <a:t>gridWidth</a:t>
-            </a:r>
-            <a:r>
-              <a:rPr lang="en-US" baseline="30000" dirty="0"/>
-              <a:t> - </a:t>
-            </a:r>
-            <a:r>
-              <a:rPr lang="en-US" baseline="30000" dirty="0" err="1"/>
-              <a:t>houseWidth</a:t>
-            </a:r>
-            <a:r>
-              <a:rPr lang="en-US" baseline="30000" dirty="0"/>
-              <a:t>)/2) - </a:t>
+              <a:t>) – </a:t>
             </a:r>
             <a:r>
               <a:rPr lang="en-US" baseline="30000" dirty="0" err="1"/>
               <a:t>freeSpaceReq</a:t>
             </a:r>
-            <a:endParaRPr lang="nl-NL" dirty="0"/>
+            <a:endParaRPr lang="en-US" baseline="30000" dirty="0"/>
           </a:p>
           <a:p>
             <a:r>
@@ -9742,33 +10355,15 @@
                                   </p:childTnLst>
                                 </p:cTn>
                               </p:par>
-                            </p:childTnLst>
-                          </p:cTn>
-                        </p:par>
-                      </p:childTnLst>
-                    </p:cTn>
-                  </p:par>
-                  <p:par>
-                    <p:cTn id="13" fill="hold">
-                      <p:stCondLst>
-                        <p:cond delay="indefinite"/>
-                      </p:stCondLst>
-                      <p:childTnLst>
-                        <p:par>
-                          <p:cTn id="14" fill="hold">
-                            <p:stCondLst>
-                              <p:cond delay="0"/>
-                            </p:stCondLst>
-                            <p:childTnLst>
                               <p:par>
-                                <p:cTn id="15" presetID="1" presetClass="entr" presetSubtype="0" fill="hold" nodeType="clickEffect">
+                                <p:cTn id="13" presetID="1" presetClass="entr" presetSubtype="0" fill="hold" nodeType="withEffect">
                                   <p:stCondLst>
                                     <p:cond delay="0"/>
                                   </p:stCondLst>
                                   <p:childTnLst>
                                     <p:set>
                                       <p:cBhvr>
-                                        <p:cTn id="16" dur="1" fill="hold">
+                                        <p:cTn id="14" dur="1" fill="hold">
                                           <p:stCondLst>
                                             <p:cond delay="0"/>
                                           </p:stCondLst>
@@ -9792,14 +10387,14 @@
                                 </p:cTn>
                               </p:par>
                               <p:par>
-                                <p:cTn id="17" presetID="1" presetClass="entr" presetSubtype="0" fill="hold" nodeType="withEffect">
+                                <p:cTn id="15" presetID="1" presetClass="entr" presetSubtype="0" fill="hold" nodeType="withEffect">
                                   <p:stCondLst>
                                     <p:cond delay="0"/>
                                   </p:stCondLst>
                                   <p:childTnLst>
                                     <p:set>
                                       <p:cBhvr>
-                                        <p:cTn id="18" dur="1" fill="hold">
+                                        <p:cTn id="16" dur="1" fill="hold">
                                           <p:stCondLst>
                                             <p:cond delay="0"/>
                                           </p:stCondLst>
@@ -9822,8 +10417,26 @@
                                   </p:childTnLst>
                                 </p:cTn>
                               </p:par>
+                            </p:childTnLst>
+                          </p:cTn>
+                        </p:par>
+                      </p:childTnLst>
+                    </p:cTn>
+                  </p:par>
+                  <p:par>
+                    <p:cTn id="17" fill="hold">
+                      <p:stCondLst>
+                        <p:cond delay="indefinite"/>
+                      </p:stCondLst>
+                      <p:childTnLst>
+                        <p:par>
+                          <p:cTn id="18" fill="hold">
+                            <p:stCondLst>
+                              <p:cond delay="0"/>
+                            </p:stCondLst>
+                            <p:childTnLst>
                               <p:par>
-                                <p:cTn id="19" presetID="1" presetClass="entr" presetSubtype="0" fill="hold" nodeType="withEffect">
+                                <p:cTn id="19" presetID="1" presetClass="entr" presetSubtype="0" fill="hold" nodeType="clickEffect">
                                   <p:stCondLst>
                                     <p:cond delay="0"/>
                                   </p:stCondLst>
@@ -9951,33 +10564,15 @@
                                   </p:childTnLst>
                                 </p:cTn>
                               </p:par>
-                            </p:childTnLst>
-                          </p:cTn>
-                        </p:par>
-                      </p:childTnLst>
-                    </p:cTn>
-                  </p:par>
-                  <p:par>
-                    <p:cTn id="29" fill="hold">
-                      <p:stCondLst>
-                        <p:cond delay="indefinite"/>
-                      </p:stCondLst>
-                      <p:childTnLst>
-                        <p:par>
-                          <p:cTn id="30" fill="hold">
-                            <p:stCondLst>
-                              <p:cond delay="0"/>
-                            </p:stCondLst>
-                            <p:childTnLst>
                               <p:par>
-                                <p:cTn id="31" presetID="1" presetClass="entr" presetSubtype="0" fill="hold" nodeType="clickEffect">
+                                <p:cTn id="29" presetID="1" presetClass="entr" presetSubtype="0" fill="hold" nodeType="withEffect">
                                   <p:stCondLst>
                                     <p:cond delay="0"/>
                                   </p:stCondLst>
                                   <p:childTnLst>
                                     <p:set>
                                       <p:cBhvr>
-                                        <p:cTn id="32" dur="1" fill="hold">
+                                        <p:cTn id="30" dur="1" fill="hold">
                                           <p:stCondLst>
                                             <p:cond delay="0"/>
                                           </p:stCondLst>
@@ -10000,33 +10595,15 @@
                                   </p:childTnLst>
                                 </p:cTn>
                               </p:par>
-                            </p:childTnLst>
-                          </p:cTn>
-                        </p:par>
-                      </p:childTnLst>
-                    </p:cTn>
-                  </p:par>
-                  <p:par>
-                    <p:cTn id="33" fill="hold">
-                      <p:stCondLst>
-                        <p:cond delay="indefinite"/>
-                      </p:stCondLst>
-                      <p:childTnLst>
-                        <p:par>
-                          <p:cTn id="34" fill="hold">
-                            <p:stCondLst>
-                              <p:cond delay="0"/>
-                            </p:stCondLst>
-                            <p:childTnLst>
                               <p:par>
-                                <p:cTn id="35" presetID="1" presetClass="entr" presetSubtype="0" fill="hold" nodeType="clickEffect">
+                                <p:cTn id="31" presetID="1" presetClass="entr" presetSubtype="0" fill="hold" nodeType="withEffect">
                                   <p:stCondLst>
                                     <p:cond delay="0"/>
                                   </p:stCondLst>
                                   <p:childTnLst>
                                     <p:set>
                                       <p:cBhvr>
-                                        <p:cTn id="36" dur="1" fill="hold">
+                                        <p:cTn id="32" dur="1" fill="hold">
                                           <p:stCondLst>
                                             <p:cond delay="0"/>
                                           </p:stCondLst>
@@ -10049,33 +10626,15 @@
                                   </p:childTnLst>
                                 </p:cTn>
                               </p:par>
-                            </p:childTnLst>
-                          </p:cTn>
-                        </p:par>
-                      </p:childTnLst>
-                    </p:cTn>
-                  </p:par>
-                  <p:par>
-                    <p:cTn id="37" fill="hold">
-                      <p:stCondLst>
-                        <p:cond delay="indefinite"/>
-                      </p:stCondLst>
-                      <p:childTnLst>
-                        <p:par>
-                          <p:cTn id="38" fill="hold">
-                            <p:stCondLst>
-                              <p:cond delay="0"/>
-                            </p:stCondLst>
-                            <p:childTnLst>
                               <p:par>
-                                <p:cTn id="39" presetID="1" presetClass="entr" presetSubtype="0" fill="hold" nodeType="clickEffect">
+                                <p:cTn id="33" presetID="1" presetClass="entr" presetSubtype="0" fill="hold" nodeType="withEffect">
                                   <p:stCondLst>
                                     <p:cond delay="0"/>
                                   </p:stCondLst>
                                   <p:childTnLst>
                                     <p:set>
                                       <p:cBhvr>
-                                        <p:cTn id="40" dur="1" fill="hold">
+                                        <p:cTn id="34" dur="1" fill="hold">
                                           <p:stCondLst>
                                             <p:cond delay="0"/>
                                           </p:stCondLst>
@@ -10331,6 +10890,88 @@
   <p:clrMapOvr>
     <a:masterClrMapping/>
   </p:clrMapOvr>
+  <p:timing>
+    <p:tnLst>
+      <p:par>
+        <p:cTn id="1" dur="indefinite" restart="never" nodeType="tmRoot">
+          <p:childTnLst>
+            <p:seq concurrent="1" nextAc="seek">
+              <p:cTn id="2" dur="indefinite" nodeType="mainSeq">
+                <p:childTnLst>
+                  <p:par>
+                    <p:cTn id="3" fill="hold">
+                      <p:stCondLst>
+                        <p:cond delay="indefinite"/>
+                      </p:stCondLst>
+                      <p:childTnLst>
+                        <p:par>
+                          <p:cTn id="4" fill="hold">
+                            <p:stCondLst>
+                              <p:cond delay="0"/>
+                            </p:stCondLst>
+                            <p:childTnLst>
+                              <p:par>
+                                <p:cTn id="5" presetID="1" presetClass="entr" presetSubtype="0" fill="hold" grpId="0" nodeType="clickEffect">
+                                  <p:stCondLst>
+                                    <p:cond delay="0"/>
+                                  </p:stCondLst>
+                                  <p:childTnLst>
+                                    <p:set>
+                                      <p:cBhvr>
+                                        <p:cTn id="6" dur="1" fill="hold">
+                                          <p:stCondLst>
+                                            <p:cond delay="0"/>
+                                          </p:stCondLst>
+                                        </p:cTn>
+                                        <p:tgtEl>
+                                          <p:spTgt spid="3">
+                                            <p:txEl>
+                                              <p:pRg st="10" end="10"/>
+                                            </p:txEl>
+                                          </p:spTgt>
+                                        </p:tgtEl>
+                                        <p:attrNameLst>
+                                          <p:attrName>style.visibility</p:attrName>
+                                        </p:attrNameLst>
+                                      </p:cBhvr>
+                                      <p:to>
+                                        <p:strVal val="visible"/>
+                                      </p:to>
+                                    </p:set>
+                                  </p:childTnLst>
+                                </p:cTn>
+                              </p:par>
+                            </p:childTnLst>
+                          </p:cTn>
+                        </p:par>
+                      </p:childTnLst>
+                    </p:cTn>
+                  </p:par>
+                </p:childTnLst>
+              </p:cTn>
+              <p:prevCondLst>
+                <p:cond evt="onPrev" delay="0">
+                  <p:tgtEl>
+                    <p:sldTgt/>
+                  </p:tgtEl>
+                </p:cond>
+              </p:prevCondLst>
+              <p:nextCondLst>
+                <p:cond evt="onNext" delay="0">
+                  <p:tgtEl>
+                    <p:sldTgt/>
+                  </p:tgtEl>
+                </p:cond>
+              </p:nextCondLst>
+            </p:seq>
+          </p:childTnLst>
+        </p:cTn>
+      </p:par>
+    </p:tnLst>
+    <p:bldLst>
+      <p:bldP spid="3" grpId="0" uiExpand="1" build="p"/>
+    </p:bldLst>
+  </p:timing>
 </p:sld>
 </file>
 
@@ -10412,7 +11053,7 @@
             <a:pPr lvl="1"/>
             <a:r>
               <a:rPr lang="nl-NL" dirty="0"/>
-              <a:t>Willekeurig x/y – coördinaten selecteren</a:t>
+              <a:t>Willekeurige x/y – coördinaten selecteren</a:t>
             </a:r>
           </a:p>
           <a:p>
@@ -10434,7 +11075,7 @@
             <a:pPr lvl="1"/>
             <a:r>
               <a:rPr lang="nl-NL" dirty="0"/>
-              <a:t>(Beste van n aantal </a:t>
+              <a:t>Beste van n aantal </a:t>
             </a:r>
             <a:r>
               <a:rPr lang="nl-NL" dirty="0" err="1"/>
@@ -10442,7 +11083,7 @@
             </a:r>
             <a:r>
               <a:rPr lang="nl-NL" dirty="0"/>
-              <a:t> opslaan)</a:t>
+              <a:t> opslaan</a:t>
             </a:r>
           </a:p>
           <a:p>
@@ -10528,6 +11169,147 @@
   <p:clrMapOvr>
     <a:masterClrMapping/>
   </p:clrMapOvr>
+  <p:timing>
+    <p:tnLst>
+      <p:par>
+        <p:cTn id="1" dur="indefinite" restart="never" nodeType="tmRoot">
+          <p:childTnLst>
+            <p:seq concurrent="1" nextAc="seek">
+              <p:cTn id="2" dur="indefinite" nodeType="mainSeq">
+                <p:childTnLst>
+                  <p:par>
+                    <p:cTn id="3" fill="hold">
+                      <p:stCondLst>
+                        <p:cond delay="indefinite"/>
+                      </p:stCondLst>
+                      <p:childTnLst>
+                        <p:par>
+                          <p:cTn id="4" fill="hold">
+                            <p:stCondLst>
+                              <p:cond delay="0"/>
+                            </p:stCondLst>
+                            <p:childTnLst>
+                              <p:par>
+                                <p:cTn id="5" presetID="1" presetClass="entr" presetSubtype="0" fill="hold" nodeType="clickEffect">
+                                  <p:stCondLst>
+                                    <p:cond delay="0"/>
+                                  </p:stCondLst>
+                                  <p:childTnLst>
+                                    <p:set>
+                                      <p:cBhvr>
+                                        <p:cTn id="6" dur="1" fill="hold">
+                                          <p:stCondLst>
+                                            <p:cond delay="0"/>
+                                          </p:stCondLst>
+                                        </p:cTn>
+                                        <p:tgtEl>
+                                          <p:spTgt spid="3">
+                                            <p:txEl>
+                                              <p:pRg st="5" end="5"/>
+                                            </p:txEl>
+                                          </p:spTgt>
+                                        </p:tgtEl>
+                                        <p:attrNameLst>
+                                          <p:attrName>style.visibility</p:attrName>
+                                        </p:attrNameLst>
+                                      </p:cBhvr>
+                                      <p:to>
+                                        <p:strVal val="visible"/>
+                                      </p:to>
+                                    </p:set>
+                                  </p:childTnLst>
+                                </p:cTn>
+                              </p:par>
+                              <p:par>
+                                <p:cTn id="7" presetID="1" presetClass="entr" presetSubtype="0" fill="hold" nodeType="withEffect">
+                                  <p:stCondLst>
+                                    <p:cond delay="0"/>
+                                  </p:stCondLst>
+                                  <p:childTnLst>
+                                    <p:set>
+                                      <p:cBhvr>
+                                        <p:cTn id="8" dur="1" fill="hold">
+                                          <p:stCondLst>
+                                            <p:cond delay="0"/>
+                                          </p:stCondLst>
+                                        </p:cTn>
+                                        <p:tgtEl>
+                                          <p:spTgt spid="3">
+                                            <p:txEl>
+                                              <p:pRg st="6" end="6"/>
+                                            </p:txEl>
+                                          </p:spTgt>
+                                        </p:tgtEl>
+                                        <p:attrNameLst>
+                                          <p:attrName>style.visibility</p:attrName>
+                                        </p:attrNameLst>
+                                      </p:cBhvr>
+                                      <p:to>
+                                        <p:strVal val="visible"/>
+                                      </p:to>
+                                    </p:set>
+                                  </p:childTnLst>
+                                </p:cTn>
+                              </p:par>
+                              <p:par>
+                                <p:cTn id="9" presetID="1" presetClass="entr" presetSubtype="0" fill="hold" nodeType="withEffect">
+                                  <p:stCondLst>
+                                    <p:cond delay="0"/>
+                                  </p:stCondLst>
+                                  <p:childTnLst>
+                                    <p:set>
+                                      <p:cBhvr>
+                                        <p:cTn id="10" dur="1" fill="hold">
+                                          <p:stCondLst>
+                                            <p:cond delay="0"/>
+                                          </p:stCondLst>
+                                        </p:cTn>
+                                        <p:tgtEl>
+                                          <p:spTgt spid="3">
+                                            <p:txEl>
+                                              <p:pRg st="7" end="7"/>
+                                            </p:txEl>
+                                          </p:spTgt>
+                                        </p:tgtEl>
+                                        <p:attrNameLst>
+                                          <p:attrName>style.visibility</p:attrName>
+                                        </p:attrNameLst>
+                                      </p:cBhvr>
+                                      <p:to>
+                                        <p:strVal val="visible"/>
+                                      </p:to>
+                                    </p:set>
+                                  </p:childTnLst>
+                                </p:cTn>
+                              </p:par>
+                            </p:childTnLst>
+                          </p:cTn>
+                        </p:par>
+                      </p:childTnLst>
+                    </p:cTn>
+                  </p:par>
+                </p:childTnLst>
+              </p:cTn>
+              <p:prevCondLst>
+                <p:cond evt="onPrev" delay="0">
+                  <p:tgtEl>
+                    <p:sldTgt/>
+                  </p:tgtEl>
+                </p:cond>
+              </p:prevCondLst>
+              <p:nextCondLst>
+                <p:cond evt="onNext" delay="0">
+                  <p:tgtEl>
+                    <p:sldTgt/>
+                  </p:tgtEl>
+                </p:cond>
+              </p:nextCondLst>
+            </p:seq>
+          </p:childTnLst>
+        </p:cTn>
+      </p:par>
+    </p:tnLst>
+  </p:timing>
 </p:sld>
 </file>
 
@@ -10595,16 +11377,48 @@
         </p:nvSpPr>
         <p:spPr/>
         <p:txBody>
-          <a:bodyPr/>
+          <a:bodyPr>
+            <a:normAutofit lnSpcReduction="10000"/>
+          </a:bodyPr>
           <a:lstStyle/>
           <a:p>
             <a:r>
               <a:rPr lang="nl-NL" dirty="0"/>
               <a:t>Depth first</a:t>
             </a:r>
-            <a:endParaRPr lang="en-US" dirty="0"/>
-          </a:p>
-          <a:p>
+          </a:p>
+          <a:p>
+            <a:pPr lvl="1"/>
+            <a:r>
+              <a:rPr lang="nl-NL" dirty="0"/>
+              <a:t>Lijst met alle mogelijke coördinaten maken</a:t>
+            </a:r>
+          </a:p>
+          <a:p>
+            <a:pPr lvl="1"/>
+            <a:r>
+              <a:rPr lang="nl-NL" dirty="0"/>
+              <a:t>Een set coördinaten creëren</a:t>
+            </a:r>
+          </a:p>
+          <a:p>
+            <a:pPr lvl="1"/>
+            <a:r>
+              <a:rPr lang="nl-NL" dirty="0"/>
+              <a:t>Waarde van één of meerdere coördinaten stap voor stap aanpassen</a:t>
+            </a:r>
+          </a:p>
+          <a:p>
+            <a:pPr lvl="1"/>
+            <a:r>
+              <a:rPr lang="nl-NL" dirty="0"/>
+              <a:t>Alle sets checken en de set met de hoogste score opslaan</a:t>
+            </a:r>
+          </a:p>
+          <a:p>
+            <a:pPr marL="0" indent="0">
+              <a:buNone/>
+            </a:pPr>
             <a:endParaRPr lang="nl-NL" dirty="0"/>
           </a:p>
           <a:p>
@@ -10653,7 +11467,7 @@
             <a:pPr lvl="1"/>
             <a:r>
               <a:rPr lang="nl-NL" dirty="0"/>
-              <a:t>Coördinaten random –b tot b verplaatsen</a:t>
+              <a:t>Coördinaten random van –b tot b verplaatsen</a:t>
             </a:r>
           </a:p>
           <a:p>
@@ -10707,6 +11521,209 @@
   <p:clrMapOvr>
     <a:masterClrMapping/>
   </p:clrMapOvr>
+  <p:timing>
+    <p:tnLst>
+      <p:par>
+        <p:cTn id="1" dur="indefinite" restart="never" nodeType="tmRoot">
+          <p:childTnLst>
+            <p:seq concurrent="1" nextAc="seek">
+              <p:cTn id="2" dur="indefinite" nodeType="mainSeq">
+                <p:childTnLst>
+                  <p:par>
+                    <p:cTn id="3" fill="hold">
+                      <p:stCondLst>
+                        <p:cond delay="indefinite"/>
+                      </p:stCondLst>
+                      <p:childTnLst>
+                        <p:par>
+                          <p:cTn id="4" fill="hold">
+                            <p:stCondLst>
+                              <p:cond delay="0"/>
+                            </p:stCondLst>
+                            <p:childTnLst>
+                              <p:par>
+                                <p:cTn id="5" presetID="1" presetClass="entr" presetSubtype="0" fill="hold" nodeType="clickEffect">
+                                  <p:stCondLst>
+                                    <p:cond delay="0"/>
+                                  </p:stCondLst>
+                                  <p:childTnLst>
+                                    <p:set>
+                                      <p:cBhvr>
+                                        <p:cTn id="6" dur="1" fill="hold">
+                                          <p:stCondLst>
+                                            <p:cond delay="0"/>
+                                          </p:stCondLst>
+                                        </p:cTn>
+                                        <p:tgtEl>
+                                          <p:spTgt spid="3">
+                                            <p:txEl>
+                                              <p:pRg st="6" end="6"/>
+                                            </p:txEl>
+                                          </p:spTgt>
+                                        </p:tgtEl>
+                                        <p:attrNameLst>
+                                          <p:attrName>style.visibility</p:attrName>
+                                        </p:attrNameLst>
+                                      </p:cBhvr>
+                                      <p:to>
+                                        <p:strVal val="visible"/>
+                                      </p:to>
+                                    </p:set>
+                                  </p:childTnLst>
+                                </p:cTn>
+                              </p:par>
+                              <p:par>
+                                <p:cTn id="7" presetID="1" presetClass="entr" presetSubtype="0" fill="hold" nodeType="withEffect">
+                                  <p:stCondLst>
+                                    <p:cond delay="0"/>
+                                  </p:stCondLst>
+                                  <p:childTnLst>
+                                    <p:set>
+                                      <p:cBhvr>
+                                        <p:cTn id="8" dur="1" fill="hold">
+                                          <p:stCondLst>
+                                            <p:cond delay="0"/>
+                                          </p:stCondLst>
+                                        </p:cTn>
+                                        <p:tgtEl>
+                                          <p:spTgt spid="3">
+                                            <p:txEl>
+                                              <p:pRg st="7" end="7"/>
+                                            </p:txEl>
+                                          </p:spTgt>
+                                        </p:tgtEl>
+                                        <p:attrNameLst>
+                                          <p:attrName>style.visibility</p:attrName>
+                                        </p:attrNameLst>
+                                      </p:cBhvr>
+                                      <p:to>
+                                        <p:strVal val="visible"/>
+                                      </p:to>
+                                    </p:set>
+                                  </p:childTnLst>
+                                </p:cTn>
+                              </p:par>
+                              <p:par>
+                                <p:cTn id="9" presetID="1" presetClass="entr" presetSubtype="0" fill="hold" nodeType="withEffect">
+                                  <p:stCondLst>
+                                    <p:cond delay="0"/>
+                                  </p:stCondLst>
+                                  <p:childTnLst>
+                                    <p:set>
+                                      <p:cBhvr>
+                                        <p:cTn id="10" dur="1" fill="hold">
+                                          <p:stCondLst>
+                                            <p:cond delay="0"/>
+                                          </p:stCondLst>
+                                        </p:cTn>
+                                        <p:tgtEl>
+                                          <p:spTgt spid="3">
+                                            <p:txEl>
+                                              <p:pRg st="8" end="8"/>
+                                            </p:txEl>
+                                          </p:spTgt>
+                                        </p:tgtEl>
+                                        <p:attrNameLst>
+                                          <p:attrName>style.visibility</p:attrName>
+                                        </p:attrNameLst>
+                                      </p:cBhvr>
+                                      <p:to>
+                                        <p:strVal val="visible"/>
+                                      </p:to>
+                                    </p:set>
+                                  </p:childTnLst>
+                                </p:cTn>
+                              </p:par>
+                              <p:par>
+                                <p:cTn id="11" presetID="1" presetClass="entr" presetSubtype="0" fill="hold" nodeType="withEffect">
+                                  <p:stCondLst>
+                                    <p:cond delay="0"/>
+                                  </p:stCondLst>
+                                  <p:childTnLst>
+                                    <p:set>
+                                      <p:cBhvr>
+                                        <p:cTn id="12" dur="1" fill="hold">
+                                          <p:stCondLst>
+                                            <p:cond delay="0"/>
+                                          </p:stCondLst>
+                                        </p:cTn>
+                                        <p:tgtEl>
+                                          <p:spTgt spid="3">
+                                            <p:txEl>
+                                              <p:pRg st="9" end="9"/>
+                                            </p:txEl>
+                                          </p:spTgt>
+                                        </p:tgtEl>
+                                        <p:attrNameLst>
+                                          <p:attrName>style.visibility</p:attrName>
+                                        </p:attrNameLst>
+                                      </p:cBhvr>
+                                      <p:to>
+                                        <p:strVal val="visible"/>
+                                      </p:to>
+                                    </p:set>
+                                  </p:childTnLst>
+                                </p:cTn>
+                              </p:par>
+                              <p:par>
+                                <p:cTn id="13" presetID="1" presetClass="entr" presetSubtype="0" fill="hold" nodeType="withEffect">
+                                  <p:stCondLst>
+                                    <p:cond delay="0"/>
+                                  </p:stCondLst>
+                                  <p:childTnLst>
+                                    <p:set>
+                                      <p:cBhvr>
+                                        <p:cTn id="14" dur="1" fill="hold">
+                                          <p:stCondLst>
+                                            <p:cond delay="0"/>
+                                          </p:stCondLst>
+                                        </p:cTn>
+                                        <p:tgtEl>
+                                          <p:spTgt spid="3">
+                                            <p:txEl>
+                                              <p:pRg st="10" end="10"/>
+                                            </p:txEl>
+                                          </p:spTgt>
+                                        </p:tgtEl>
+                                        <p:attrNameLst>
+                                          <p:attrName>style.visibility</p:attrName>
+                                        </p:attrNameLst>
+                                      </p:cBhvr>
+                                      <p:to>
+                                        <p:strVal val="visible"/>
+                                      </p:to>
+                                    </p:set>
+                                  </p:childTnLst>
+                                </p:cTn>
+                              </p:par>
+                            </p:childTnLst>
+                          </p:cTn>
+                        </p:par>
+                      </p:childTnLst>
+                    </p:cTn>
+                  </p:par>
+                </p:childTnLst>
+              </p:cTn>
+              <p:prevCondLst>
+                <p:cond evt="onPrev" delay="0">
+                  <p:tgtEl>
+                    <p:sldTgt/>
+                  </p:tgtEl>
+                </p:cond>
+              </p:prevCondLst>
+              <p:nextCondLst>
+                <p:cond evt="onNext" delay="0">
+                  <p:tgtEl>
+                    <p:sldTgt/>
+                  </p:tgtEl>
+                </p:cond>
+              </p:nextCondLst>
+            </p:seq>
+          </p:childTnLst>
+        </p:cTn>
+      </p:par>
+    </p:tnLst>
+  </p:timing>
 </p:sld>
 </file>
 
@@ -10838,10 +11855,10 @@
       </p:sp>
       <p:pic>
         <p:nvPicPr>
-          <p:cNvPr id="10" name="Afbeelding 9">
+          <p:cNvPr id="6" name="Afbeelding 5" descr="Afbeelding met schermafbeelding&#10;&#10;Automatisch gegenereerde beschrijving">
             <a:extLst>
               <a:ext uri="{FF2B5EF4-FFF2-40B4-BE49-F238E27FC236}">
-                <a16:creationId xmlns:a16="http://schemas.microsoft.com/office/drawing/2014/main" id="{077F523F-9DA9-4A18-A43D-607204CC9BAD}"/>
+                <a16:creationId xmlns:a16="http://schemas.microsoft.com/office/drawing/2014/main" id="{C00FD2E3-7085-4E12-BEF2-ECF386DFEA6F}"/>
               </a:ext>
             </a:extLst>
           </p:cNvPr>
@@ -10858,8 +11875,8 @@
         </p:blipFill>
         <p:spPr>
           <a:xfrm>
-            <a:off x="5334000" y="0"/>
-            <a:ext cx="6858000" cy="6858000"/>
+            <a:off x="5665120" y="0"/>
+            <a:ext cx="6813823" cy="6858000"/>
           </a:xfrm>
           <a:prstGeom prst="rect">
             <a:avLst/>
@@ -10882,7 +11899,7 @@
 <file path=ppt/theme/theme1.xml><?xml version="1.0" encoding="utf-8"?>
 <a:theme xmlns:a="http://schemas.openxmlformats.org/drawingml/2006/main" name="Facet">
   <a:themeElements>
-    <a:clrScheme name="Facet">
+    <a:clrScheme name="Aangepast 17">
       <a:dk1>
         <a:sysClr val="windowText" lastClr="000000"/>
       </a:dk1>
@@ -10896,10 +11913,10 @@
         <a:srgbClr val="EBEBEB"/>
       </a:lt2>
       <a:accent1>
-        <a:srgbClr val="F496CB"/>
+        <a:srgbClr val="2C1CFC"/>
       </a:accent1>
       <a:accent2>
-        <a:srgbClr val="BC356F"/>
+        <a:srgbClr val="1403EF"/>
       </a:accent2>
       <a:accent3>
         <a:srgbClr val="E65331"/>

--- a/Eindpresentatie/Amstelhage eindpresentatie.pptx
+++ b/Eindpresentatie/Amstelhage eindpresentatie.pptx
@@ -131,7 +131,7 @@
 <file path=ppt/revisionInfo.xml><?xml version="1.0" encoding="utf-8"?>
 <p1510:revInfo xmlns:a="http://schemas.openxmlformats.org/drawingml/2006/main" xmlns:r="http://schemas.openxmlformats.org/officeDocument/2006/relationships" xmlns:p1510="http://schemas.microsoft.com/office/powerpoint/2015/10/main">
   <p1510:revLst>
-    <p1510:client id="{B368888F-42D6-4754-8986-253CB4402C58}" v="397" dt="2018-12-19T10:18:08.518"/>
+    <p1510:client id="{B368888F-42D6-4754-8986-253CB4402C58}" v="403" dt="2018-12-19T10:37:50.174"/>
   </p1510:revLst>
 </p1510:revInfo>
 </file>
@@ -141,7 +141,7 @@
   <pc:docChgLst>
     <pc:chgData name="Eveline Tiekink" userId="6058ae45eb5242b7" providerId="LiveId" clId="{B368888F-42D6-4754-8986-253CB4402C58}"/>
     <pc:docChg chg="undo custSel addSld delSld modSld">
-      <pc:chgData name="Eveline Tiekink" userId="6058ae45eb5242b7" providerId="LiveId" clId="{B368888F-42D6-4754-8986-253CB4402C58}" dt="2018-12-19T10:20:24.847" v="707" actId="20577"/>
+      <pc:chgData name="Eveline Tiekink" userId="6058ae45eb5242b7" providerId="LiveId" clId="{B368888F-42D6-4754-8986-253CB4402C58}" dt="2018-12-19T10:55:36.010" v="861" actId="20577"/>
       <pc:docMkLst>
         <pc:docMk/>
       </pc:docMkLst>
@@ -228,13 +228,13 @@
         </pc:spChg>
       </pc:sldChg>
       <pc:sldChg chg="addSp delSp modSp">
-        <pc:chgData name="Eveline Tiekink" userId="6058ae45eb5242b7" providerId="LiveId" clId="{B368888F-42D6-4754-8986-253CB4402C58}" dt="2018-12-19T10:14:35.489" v="621" actId="1076"/>
+        <pc:chgData name="Eveline Tiekink" userId="6058ae45eb5242b7" providerId="LiveId" clId="{B368888F-42D6-4754-8986-253CB4402C58}" dt="2018-12-19T10:38:29.864" v="817" actId="1038"/>
         <pc:sldMkLst>
           <pc:docMk/>
           <pc:sldMk cId="2471474141" sldId="287"/>
         </pc:sldMkLst>
         <pc:picChg chg="add mod">
-          <ac:chgData name="Eveline Tiekink" userId="6058ae45eb5242b7" providerId="LiveId" clId="{B368888F-42D6-4754-8986-253CB4402C58}" dt="2018-12-19T10:14:35.489" v="621" actId="1076"/>
+          <ac:chgData name="Eveline Tiekink" userId="6058ae45eb5242b7" providerId="LiveId" clId="{B368888F-42D6-4754-8986-253CB4402C58}" dt="2018-12-19T10:38:29.864" v="817" actId="1038"/>
           <ac:picMkLst>
             <pc:docMk/>
             <pc:sldMk cId="2471474141" sldId="287"/>
@@ -251,7 +251,7 @@
         </pc:picChg>
       </pc:sldChg>
       <pc:sldChg chg="modSp">
-        <pc:chgData name="Eveline Tiekink" userId="6058ae45eb5242b7" providerId="LiveId" clId="{B368888F-42D6-4754-8986-253CB4402C58}" dt="2018-12-19T09:50:15.224" v="439" actId="14100"/>
+        <pc:chgData name="Eveline Tiekink" userId="6058ae45eb5242b7" providerId="LiveId" clId="{B368888F-42D6-4754-8986-253CB4402C58}" dt="2018-12-19T10:53:22.219" v="855" actId="20577"/>
         <pc:sldMkLst>
           <pc:docMk/>
           <pc:sldMk cId="3455944079" sldId="289"/>
@@ -265,7 +265,7 @@
           </ac:spMkLst>
         </pc:spChg>
         <pc:spChg chg="mod">
-          <ac:chgData name="Eveline Tiekink" userId="6058ae45eb5242b7" providerId="LiveId" clId="{B368888F-42D6-4754-8986-253CB4402C58}" dt="2018-12-19T09:50:15.224" v="439" actId="14100"/>
+          <ac:chgData name="Eveline Tiekink" userId="6058ae45eb5242b7" providerId="LiveId" clId="{B368888F-42D6-4754-8986-253CB4402C58}" dt="2018-12-19T10:53:22.219" v="855" actId="20577"/>
           <ac:spMkLst>
             <pc:docMk/>
             <pc:sldMk cId="3455944079" sldId="289"/>
@@ -304,7 +304,7 @@
         </pc:spChg>
       </pc:sldChg>
       <pc:sldChg chg="modSp add">
-        <pc:chgData name="Eveline Tiekink" userId="6058ae45eb5242b7" providerId="LiveId" clId="{B368888F-42D6-4754-8986-253CB4402C58}" dt="2018-12-19T10:20:24.847" v="707" actId="20577"/>
+        <pc:chgData name="Eveline Tiekink" userId="6058ae45eb5242b7" providerId="LiveId" clId="{B368888F-42D6-4754-8986-253CB4402C58}" dt="2018-12-19T10:55:36.010" v="861" actId="20577"/>
         <pc:sldMkLst>
           <pc:docMk/>
           <pc:sldMk cId="1743912567" sldId="293"/>
@@ -318,7 +318,7 @@
           </ac:spMkLst>
         </pc:spChg>
         <pc:spChg chg="mod">
-          <ac:chgData name="Eveline Tiekink" userId="6058ae45eb5242b7" providerId="LiveId" clId="{B368888F-42D6-4754-8986-253CB4402C58}" dt="2018-12-19T10:20:24.847" v="707" actId="20577"/>
+          <ac:chgData name="Eveline Tiekink" userId="6058ae45eb5242b7" providerId="LiveId" clId="{B368888F-42D6-4754-8986-253CB4402C58}" dt="2018-12-19T10:55:36.010" v="861" actId="20577"/>
           <ac:spMkLst>
             <pc:docMk/>
             <pc:sldMk cId="1743912567" sldId="293"/>
@@ -7503,6 +7503,12 @@
           <a:p>
             <a:r>
               <a:rPr lang="nl-NL" dirty="0"/>
+              <a:t>Vergelijking verschillende algoritmes</a:t>
+            </a:r>
+          </a:p>
+          <a:p>
+            <a:r>
+              <a:rPr lang="nl-NL" dirty="0"/>
               <a:t>Water na huizen plaatsen</a:t>
             </a:r>
           </a:p>
@@ -7681,6 +7687,13 @@
             <a:r>
               <a:rPr lang="nl-NL" dirty="0"/>
               <a:t>Drs. Daan van den Berg</a:t>
+            </a:r>
+          </a:p>
+          <a:p>
+            <a:pPr lvl="1"/>
+            <a:r>
+              <a:rPr lang="nl-NL" dirty="0"/>
+              <a:t>u</a:t>
             </a:r>
           </a:p>
         </p:txBody>
@@ -11875,7 +11888,7 @@
         </p:blipFill>
         <p:spPr>
           <a:xfrm>
-            <a:off x="5665120" y="0"/>
+            <a:off x="5640936" y="2627"/>
             <a:ext cx="6813823" cy="6858000"/>
           </a:xfrm>
           <a:prstGeom prst="rect">
@@ -11899,7 +11912,7 @@
 <file path=ppt/theme/theme1.xml><?xml version="1.0" encoding="utf-8"?>
 <a:theme xmlns:a="http://schemas.openxmlformats.org/drawingml/2006/main" name="Facet">
   <a:themeElements>
-    <a:clrScheme name="Aangepast 17">
+    <a:clrScheme name="Aangepast 23">
       <a:dk1>
         <a:sysClr val="windowText" lastClr="000000"/>
       </a:dk1>
@@ -11913,10 +11926,10 @@
         <a:srgbClr val="EBEBEB"/>
       </a:lt2>
       <a:accent1>
-        <a:srgbClr val="2C1CFC"/>
+        <a:srgbClr val="0000FF"/>
       </a:accent1>
       <a:accent2>
-        <a:srgbClr val="1403EF"/>
+        <a:srgbClr val="0000FF"/>
       </a:accent2>
       <a:accent3>
         <a:srgbClr val="E65331"/>

--- a/Eindpresentatie/Amstelhage eindpresentatie.pptx
+++ b/Eindpresentatie/Amstelhage eindpresentatie.pptx
@@ -17,8 +17,8 @@
     <p:sldId id="285" r:id="rId8"/>
     <p:sldId id="286" r:id="rId9"/>
     <p:sldId id="287" r:id="rId10"/>
-    <p:sldId id="288" r:id="rId11"/>
-    <p:sldId id="291" r:id="rId12"/>
+    <p:sldId id="291" r:id="rId11"/>
+    <p:sldId id="294" r:id="rId12"/>
     <p:sldId id="292" r:id="rId13"/>
     <p:sldId id="289" r:id="rId14"/>
     <p:sldId id="293" r:id="rId15"/>
@@ -131,7 +131,7 @@
 <file path=ppt/revisionInfo.xml><?xml version="1.0" encoding="utf-8"?>
 <p1510:revInfo xmlns:a="http://schemas.openxmlformats.org/drawingml/2006/main" xmlns:r="http://schemas.openxmlformats.org/officeDocument/2006/relationships" xmlns:p1510="http://schemas.microsoft.com/office/powerpoint/2015/10/main">
   <p1510:revLst>
-    <p1510:client id="{B368888F-42D6-4754-8986-253CB4402C58}" v="403" dt="2018-12-19T10:37:50.174"/>
+    <p1510:client id="{B368888F-42D6-4754-8986-253CB4402C58}" v="436" dt="2018-12-19T11:36:52.141"/>
   </p1510:revLst>
 </p1510:revInfo>
 </file>
@@ -141,18 +141,25 @@
   <pc:docChgLst>
     <pc:chgData name="Eveline Tiekink" userId="6058ae45eb5242b7" providerId="LiveId" clId="{B368888F-42D6-4754-8986-253CB4402C58}"/>
     <pc:docChg chg="undo custSel addSld delSld modSld">
-      <pc:chgData name="Eveline Tiekink" userId="6058ae45eb5242b7" providerId="LiveId" clId="{B368888F-42D6-4754-8986-253CB4402C58}" dt="2018-12-19T10:55:36.010" v="861" actId="20577"/>
+      <pc:chgData name="Eveline Tiekink" userId="6058ae45eb5242b7" providerId="LiveId" clId="{B368888F-42D6-4754-8986-253CB4402C58}" dt="2018-12-19T11:37:14.500" v="1148" actId="20577"/>
       <pc:docMkLst>
         <pc:docMk/>
       </pc:docMkLst>
-      <pc:sldChg chg="modSp modAnim">
-        <pc:chgData name="Eveline Tiekink" userId="6058ae45eb5242b7" providerId="LiveId" clId="{B368888F-42D6-4754-8986-253CB4402C58}" dt="2018-12-19T10:17:06.211" v="623"/>
+      <pc:sldChg chg="modNotesTx">
+        <pc:chgData name="Eveline Tiekink" userId="6058ae45eb5242b7" providerId="LiveId" clId="{B368888F-42D6-4754-8986-253CB4402C58}" dt="2018-12-19T11:30:12.549" v="1093" actId="20577"/>
+        <pc:sldMkLst>
+          <pc:docMk/>
+          <pc:sldMk cId="2010605495" sldId="256"/>
+        </pc:sldMkLst>
+      </pc:sldChg>
+      <pc:sldChg chg="modSp modAnim modNotesTx">
+        <pc:chgData name="Eveline Tiekink" userId="6058ae45eb5242b7" providerId="LiveId" clId="{B368888F-42D6-4754-8986-253CB4402C58}" dt="2018-12-19T11:30:15.539" v="1096" actId="20577"/>
         <pc:sldMkLst>
           <pc:docMk/>
           <pc:sldMk cId="3357264709" sldId="260"/>
         </pc:sldMkLst>
         <pc:spChg chg="mod">
-          <ac:chgData name="Eveline Tiekink" userId="6058ae45eb5242b7" providerId="LiveId" clId="{B368888F-42D6-4754-8986-253CB4402C58}" dt="2018-12-19T10:17:06.211" v="623"/>
+          <ac:chgData name="Eveline Tiekink" userId="6058ae45eb5242b7" providerId="LiveId" clId="{B368888F-42D6-4754-8986-253CB4402C58}" dt="2018-12-19T11:13:51.831" v="925"/>
           <ac:spMkLst>
             <pc:docMk/>
             <pc:sldMk cId="3357264709" sldId="260"/>
@@ -160,8 +167,15 @@
           </ac:spMkLst>
         </pc:spChg>
       </pc:sldChg>
-      <pc:sldChg chg="modSp modAnim">
-        <pc:chgData name="Eveline Tiekink" userId="6058ae45eb5242b7" providerId="LiveId" clId="{B368888F-42D6-4754-8986-253CB4402C58}" dt="2018-12-19T10:18:08.518" v="692" actId="20577"/>
+      <pc:sldChg chg="modNotesTx">
+        <pc:chgData name="Eveline Tiekink" userId="6058ae45eb5242b7" providerId="LiveId" clId="{B368888F-42D6-4754-8986-253CB4402C58}" dt="2018-12-19T11:12:03.160" v="895" actId="20577"/>
+        <pc:sldMkLst>
+          <pc:docMk/>
+          <pc:sldMk cId="2885689349" sldId="262"/>
+        </pc:sldMkLst>
+      </pc:sldChg>
+      <pc:sldChg chg="modSp modAnim modNotesTx">
+        <pc:chgData name="Eveline Tiekink" userId="6058ae45eb5242b7" providerId="LiveId" clId="{B368888F-42D6-4754-8986-253CB4402C58}" dt="2018-12-19T11:11:34.396" v="879" actId="20577"/>
         <pc:sldMkLst>
           <pc:docMk/>
           <pc:sldMk cId="1402981865" sldId="270"/>
@@ -175,8 +189,8 @@
           </ac:spMkLst>
         </pc:spChg>
       </pc:sldChg>
-      <pc:sldChg chg="modSp modAnim">
-        <pc:chgData name="Eveline Tiekink" userId="6058ae45eb5242b7" providerId="LiveId" clId="{B368888F-42D6-4754-8986-253CB4402C58}" dt="2018-12-19T09:56:46.762" v="455" actId="27636"/>
+      <pc:sldChg chg="modSp modAnim modNotesTx">
+        <pc:chgData name="Eveline Tiekink" userId="6058ae45eb5242b7" providerId="LiveId" clId="{B368888F-42D6-4754-8986-253CB4402C58}" dt="2018-12-19T11:11:30.899" v="874" actId="20577"/>
         <pc:sldMkLst>
           <pc:docMk/>
           <pc:sldMk cId="1515718442" sldId="283"/>
@@ -190,21 +204,21 @@
           </ac:spMkLst>
         </pc:spChg>
       </pc:sldChg>
-      <pc:sldChg chg="modAnim">
-        <pc:chgData name="Eveline Tiekink" userId="6058ae45eb5242b7" providerId="LiveId" clId="{B368888F-42D6-4754-8986-253CB4402C58}" dt="2018-12-19T09:57:53.149" v="457"/>
+      <pc:sldChg chg="modAnim modNotesTx">
+        <pc:chgData name="Eveline Tiekink" userId="6058ae45eb5242b7" providerId="LiveId" clId="{B368888F-42D6-4754-8986-253CB4402C58}" dt="2018-12-19T11:11:39.830" v="890" actId="20577"/>
         <pc:sldMkLst>
           <pc:docMk/>
           <pc:sldMk cId="2610375231" sldId="284"/>
         </pc:sldMkLst>
       </pc:sldChg>
-      <pc:sldChg chg="modSp modAnim">
-        <pc:chgData name="Eveline Tiekink" userId="6058ae45eb5242b7" providerId="LiveId" clId="{B368888F-42D6-4754-8986-253CB4402C58}" dt="2018-12-19T09:40:59.593" v="50"/>
+      <pc:sldChg chg="modSp modAnim modNotesTx">
+        <pc:chgData name="Eveline Tiekink" userId="6058ae45eb5242b7" providerId="LiveId" clId="{B368888F-42D6-4754-8986-253CB4402C58}" dt="2018-12-19T11:20:41.100" v="947" actId="20577"/>
         <pc:sldMkLst>
           <pc:docMk/>
           <pc:sldMk cId="2143635400" sldId="285"/>
         </pc:sldMkLst>
         <pc:spChg chg="mod">
-          <ac:chgData name="Eveline Tiekink" userId="6058ae45eb5242b7" providerId="LiveId" clId="{B368888F-42D6-4754-8986-253CB4402C58}" dt="2018-12-19T09:40:43.868" v="49" actId="20577"/>
+          <ac:chgData name="Eveline Tiekink" userId="6058ae45eb5242b7" providerId="LiveId" clId="{B368888F-42D6-4754-8986-253CB4402C58}" dt="2018-12-19T11:20:41.100" v="947" actId="20577"/>
           <ac:spMkLst>
             <pc:docMk/>
             <pc:sldMk cId="2143635400" sldId="285"/>
@@ -212,8 +226,8 @@
           </ac:spMkLst>
         </pc:spChg>
       </pc:sldChg>
-      <pc:sldChg chg="modSp modAnim">
-        <pc:chgData name="Eveline Tiekink" userId="6058ae45eb5242b7" providerId="LiveId" clId="{B368888F-42D6-4754-8986-253CB4402C58}" dt="2018-12-19T09:59:52.217" v="464"/>
+      <pc:sldChg chg="modSp modAnim modNotesTx">
+        <pc:chgData name="Eveline Tiekink" userId="6058ae45eb5242b7" providerId="LiveId" clId="{B368888F-42D6-4754-8986-253CB4402C58}" dt="2018-12-19T11:12:53.526" v="922" actId="20577"/>
         <pc:sldMkLst>
           <pc:docMk/>
           <pc:sldMk cId="2343836998" sldId="286"/>
@@ -227,12 +241,20 @@
           </ac:spMkLst>
         </pc:spChg>
       </pc:sldChg>
-      <pc:sldChg chg="addSp delSp modSp">
-        <pc:chgData name="Eveline Tiekink" userId="6058ae45eb5242b7" providerId="LiveId" clId="{B368888F-42D6-4754-8986-253CB4402C58}" dt="2018-12-19T10:38:29.864" v="817" actId="1038"/>
+      <pc:sldChg chg="addSp delSp modSp modNotesTx">
+        <pc:chgData name="Eveline Tiekink" userId="6058ae45eb5242b7" providerId="LiveId" clId="{B368888F-42D6-4754-8986-253CB4402C58}" dt="2018-12-19T11:24:49.751" v="975" actId="20577"/>
         <pc:sldMkLst>
           <pc:docMk/>
           <pc:sldMk cId="2471474141" sldId="287"/>
         </pc:sldMkLst>
+        <pc:spChg chg="mod">
+          <ac:chgData name="Eveline Tiekink" userId="6058ae45eb5242b7" providerId="LiveId" clId="{B368888F-42D6-4754-8986-253CB4402C58}" dt="2018-12-19T11:24:49.751" v="975" actId="20577"/>
+          <ac:spMkLst>
+            <pc:docMk/>
+            <pc:sldMk cId="2471474141" sldId="287"/>
+            <ac:spMk id="3" creationId="{7692814C-E48A-4D6F-89DE-684AAE6C333A}"/>
+          </ac:spMkLst>
+        </pc:spChg>
         <pc:picChg chg="add mod">
           <ac:chgData name="Eveline Tiekink" userId="6058ae45eb5242b7" providerId="LiveId" clId="{B368888F-42D6-4754-8986-253CB4402C58}" dt="2018-12-19T10:38:29.864" v="817" actId="1038"/>
           <ac:picMkLst>
@@ -250,8 +272,15 @@
           </ac:picMkLst>
         </pc:picChg>
       </pc:sldChg>
-      <pc:sldChg chg="modSp">
-        <pc:chgData name="Eveline Tiekink" userId="6058ae45eb5242b7" providerId="LiveId" clId="{B368888F-42D6-4754-8986-253CB4402C58}" dt="2018-12-19T10:53:22.219" v="855" actId="20577"/>
+      <pc:sldChg chg="del modNotesTx">
+        <pc:chgData name="Eveline Tiekink" userId="6058ae45eb5242b7" providerId="LiveId" clId="{B368888F-42D6-4754-8986-253CB4402C58}" dt="2018-12-19T11:25:18.509" v="976" actId="2696"/>
+        <pc:sldMkLst>
+          <pc:docMk/>
+          <pc:sldMk cId="814222288" sldId="288"/>
+        </pc:sldMkLst>
+      </pc:sldChg>
+      <pc:sldChg chg="modSp modNotesTx">
+        <pc:chgData name="Eveline Tiekink" userId="6058ae45eb5242b7" providerId="LiveId" clId="{B368888F-42D6-4754-8986-253CB4402C58}" dt="2018-12-19T11:12:35.851" v="913" actId="20577"/>
         <pc:sldMkLst>
           <pc:docMk/>
           <pc:sldMk cId="3455944079" sldId="289"/>
@@ -273,8 +302,8 @@
           </ac:spMkLst>
         </pc:spChg>
       </pc:sldChg>
-      <pc:sldChg chg="modSp">
-        <pc:chgData name="Eveline Tiekink" userId="6058ae45eb5242b7" providerId="LiveId" clId="{B368888F-42D6-4754-8986-253CB4402C58}" dt="2018-12-19T09:47:42.034" v="314" actId="1076"/>
+      <pc:sldChg chg="modSp modNotesTx">
+        <pc:chgData name="Eveline Tiekink" userId="6058ae45eb5242b7" providerId="LiveId" clId="{B368888F-42D6-4754-8986-253CB4402C58}" dt="2018-12-19T11:26:09.389" v="977" actId="732"/>
         <pc:sldMkLst>
           <pc:docMk/>
           <pc:sldMk cId="260989169" sldId="291"/>
@@ -287,15 +316,23 @@
             <ac:spMk id="7" creationId="{0BB2D2BF-5E1F-4107-981F-7C6745E4930C}"/>
           </ac:spMkLst>
         </pc:spChg>
+        <pc:picChg chg="mod modCrop">
+          <ac:chgData name="Eveline Tiekink" userId="6058ae45eb5242b7" providerId="LiveId" clId="{B368888F-42D6-4754-8986-253CB4402C58}" dt="2018-12-19T11:26:09.389" v="977" actId="732"/>
+          <ac:picMkLst>
+            <pc:docMk/>
+            <pc:sldMk cId="260989169" sldId="291"/>
+            <ac:picMk id="11" creationId="{6C748BC8-9386-40E0-B3A5-90F5530323E7}"/>
+          </ac:picMkLst>
+        </pc:picChg>
       </pc:sldChg>
-      <pc:sldChg chg="modSp">
-        <pc:chgData name="Eveline Tiekink" userId="6058ae45eb5242b7" providerId="LiveId" clId="{B368888F-42D6-4754-8986-253CB4402C58}" dt="2018-12-19T10:02:05.164" v="494" actId="20577"/>
+      <pc:sldChg chg="modSp modNotesTx">
+        <pc:chgData name="Eveline Tiekink" userId="6058ae45eb5242b7" providerId="LiveId" clId="{B368888F-42D6-4754-8986-253CB4402C58}" dt="2018-12-19T11:37:14.500" v="1148" actId="20577"/>
         <pc:sldMkLst>
           <pc:docMk/>
           <pc:sldMk cId="3885076906" sldId="292"/>
         </pc:sldMkLst>
         <pc:spChg chg="mod">
-          <ac:chgData name="Eveline Tiekink" userId="6058ae45eb5242b7" providerId="LiveId" clId="{B368888F-42D6-4754-8986-253CB4402C58}" dt="2018-12-19T10:02:05.164" v="494" actId="20577"/>
+          <ac:chgData name="Eveline Tiekink" userId="6058ae45eb5242b7" providerId="LiveId" clId="{B368888F-42D6-4754-8986-253CB4402C58}" dt="2018-12-19T11:37:14.500" v="1148" actId="20577"/>
           <ac:spMkLst>
             <pc:docMk/>
             <pc:sldMk cId="3885076906" sldId="292"/>
@@ -303,8 +340,8 @@
           </ac:spMkLst>
         </pc:spChg>
       </pc:sldChg>
-      <pc:sldChg chg="modSp add">
-        <pc:chgData name="Eveline Tiekink" userId="6058ae45eb5242b7" providerId="LiveId" clId="{B368888F-42D6-4754-8986-253CB4402C58}" dt="2018-12-19T10:55:36.010" v="861" actId="20577"/>
+      <pc:sldChg chg="modSp add modNotesTx">
+        <pc:chgData name="Eveline Tiekink" userId="6058ae45eb5242b7" providerId="LiveId" clId="{B368888F-42D6-4754-8986-253CB4402C58}" dt="2018-12-19T11:12:41.556" v="916" actId="20577"/>
         <pc:sldMkLst>
           <pc:docMk/>
           <pc:sldMk cId="1743912567" sldId="293"/>
@@ -325,6 +362,37 @@
             <ac:spMk id="3" creationId="{D6C57738-0EDB-4A93-B2FB-1332281532D3}"/>
           </ac:spMkLst>
         </pc:spChg>
+      </pc:sldChg>
+      <pc:sldChg chg="addSp modSp add">
+        <pc:chgData name="Eveline Tiekink" userId="6058ae45eb5242b7" providerId="LiveId" clId="{B368888F-42D6-4754-8986-253CB4402C58}" dt="2018-12-19T11:36:42.323" v="1129" actId="20577"/>
+        <pc:sldMkLst>
+          <pc:docMk/>
+          <pc:sldMk cId="1994557606" sldId="294"/>
+        </pc:sldMkLst>
+        <pc:spChg chg="mod">
+          <ac:chgData name="Eveline Tiekink" userId="6058ae45eb5242b7" providerId="LiveId" clId="{B368888F-42D6-4754-8986-253CB4402C58}" dt="2018-12-19T11:26:54.467" v="979"/>
+          <ac:spMkLst>
+            <pc:docMk/>
+            <pc:sldMk cId="1994557606" sldId="294"/>
+            <ac:spMk id="2" creationId="{F789D919-3D78-43D9-BD7D-CA7521B7EC30}"/>
+          </ac:spMkLst>
+        </pc:spChg>
+        <pc:spChg chg="mod">
+          <ac:chgData name="Eveline Tiekink" userId="6058ae45eb5242b7" providerId="LiveId" clId="{B368888F-42D6-4754-8986-253CB4402C58}" dt="2018-12-19T11:36:42.323" v="1129" actId="20577"/>
+          <ac:spMkLst>
+            <pc:docMk/>
+            <pc:sldMk cId="1994557606" sldId="294"/>
+            <ac:spMk id="3" creationId="{F2F04F28-2F50-4BA0-B85D-547F96E630E1}"/>
+          </ac:spMkLst>
+        </pc:spChg>
+        <pc:picChg chg="add mod">
+          <ac:chgData name="Eveline Tiekink" userId="6058ae45eb5242b7" providerId="LiveId" clId="{B368888F-42D6-4754-8986-253CB4402C58}" dt="2018-12-19T11:35:36.308" v="1105" actId="1076"/>
+          <ac:picMkLst>
+            <pc:docMk/>
+            <pc:sldMk cId="1994557606" sldId="294"/>
+            <ac:picMk id="6" creationId="{1E804E50-9C8E-4EFE-B742-4CAA0ACE11E8}"/>
+          </ac:picMkLst>
+        </pc:picChg>
       </pc:sldChg>
       <pc:sldChg chg="add del">
         <pc:chgData name="Eveline Tiekink" userId="6058ae45eb5242b7" providerId="LiveId" clId="{B368888F-42D6-4754-8986-253CB4402C58}" dt="2018-12-19T10:10:43.736" v="605"/>
@@ -731,6 +799,24 @@
           <a:bodyPr/>
           <a:lstStyle/>
           <a:p>
+            <a:endParaRPr lang="nl-NL" dirty="0"/>
+          </a:p>
+          <a:p>
+            <a:r>
+              <a:rPr lang="nl-NL" dirty="0"/>
+              <a:t>Cor</a:t>
+            </a:r>
+          </a:p>
+          <a:p>
+            <a:endParaRPr lang="nl-NL" dirty="0"/>
+          </a:p>
+          <a:p>
+            <a:endParaRPr lang="nl-NL" dirty="0"/>
+          </a:p>
+          <a:p>
+            <a:endParaRPr lang="nl-NL" dirty="0"/>
+          </a:p>
+          <a:p>
             <a:r>
               <a:rPr lang="nl-NL" dirty="0"/>
               <a:t>Plaatje </a:t>
@@ -777,7 +863,7 @@
             </a:r>
             <a:r>
               <a:rPr lang="nl-NL" dirty="0" err="1"/>
-              <a:t>hilclimber</a:t>
+              <a:t>hillclimber</a:t>
             </a:r>
             <a:r>
               <a:rPr lang="nl-NL" dirty="0"/>
@@ -820,6 +906,1134 @@
     <p:extLst>
       <p:ext uri="{BB962C8B-B14F-4D97-AF65-F5344CB8AC3E}">
         <p14:creationId xmlns:p14="http://schemas.microsoft.com/office/powerpoint/2010/main" val="3502717600"/>
+      </p:ext>
+    </p:extLst>
+  </p:cSld>
+  <p:clrMapOvr>
+    <a:masterClrMapping/>
+  </p:clrMapOvr>
+</p:notes>
+</file>
+
+<file path=ppt/notesSlides/notesSlide10.xml><?xml version="1.0" encoding="utf-8"?>
+<p:notes xmlns:a="http://schemas.openxmlformats.org/drawingml/2006/main" xmlns:r="http://schemas.openxmlformats.org/officeDocument/2006/relationships" xmlns:p="http://schemas.openxmlformats.org/presentationml/2006/main">
+  <p:cSld>
+    <p:spTree>
+      <p:nvGrpSpPr>
+        <p:cNvPr id="1" name=""/>
+        <p:cNvGrpSpPr/>
+        <p:nvPr/>
+      </p:nvGrpSpPr>
+      <p:grpSpPr>
+        <a:xfrm>
+          <a:off x="0" y="0"/>
+          <a:ext cx="0" cy="0"/>
+          <a:chOff x="0" y="0"/>
+          <a:chExt cx="0" cy="0"/>
+        </a:xfrm>
+      </p:grpSpPr>
+      <p:sp>
+        <p:nvSpPr>
+          <p:cNvPr id="2" name="Tijdelijke aanduiding voor dia-afbeelding 1"/>
+          <p:cNvSpPr>
+            <a:spLocks noGrp="1" noRot="1" noChangeAspect="1"/>
+          </p:cNvSpPr>
+          <p:nvPr>
+            <p:ph type="sldImg"/>
+          </p:nvPr>
+        </p:nvSpPr>
+        <p:spPr/>
+      </p:sp>
+      <p:sp>
+        <p:nvSpPr>
+          <p:cNvPr id="3" name="Tijdelijke aanduiding voor notities 2"/>
+          <p:cNvSpPr>
+            <a:spLocks noGrp="1"/>
+          </p:cNvSpPr>
+          <p:nvPr>
+            <p:ph type="body" idx="1"/>
+          </p:nvPr>
+        </p:nvSpPr>
+        <p:spPr/>
+        <p:txBody>
+          <a:bodyPr/>
+          <a:lstStyle/>
+          <a:p>
+            <a:r>
+              <a:rPr lang="nl-NL" dirty="0"/>
+              <a:t>Coen</a:t>
+            </a:r>
+          </a:p>
+        </p:txBody>
+      </p:sp>
+      <p:sp>
+        <p:nvSpPr>
+          <p:cNvPr id="4" name="Tijdelijke aanduiding voor dianummer 3"/>
+          <p:cNvSpPr>
+            <a:spLocks noGrp="1"/>
+          </p:cNvSpPr>
+          <p:nvPr>
+            <p:ph type="sldNum" sz="quarter" idx="5"/>
+          </p:nvPr>
+        </p:nvSpPr>
+        <p:spPr/>
+        <p:txBody>
+          <a:bodyPr/>
+          <a:lstStyle/>
+          <a:p>
+            <a:fld id="{6DA5F5ED-64BB-4C5C-A82B-3BA43ACDDE50}" type="slidenum">
+              <a:rPr lang="nl-NL" smtClean="0"/>
+              <a:t>10</a:t>
+            </a:fld>
+            <a:endParaRPr lang="nl-NL"/>
+          </a:p>
+        </p:txBody>
+      </p:sp>
+    </p:spTree>
+    <p:extLst>
+      <p:ext uri="{BB962C8B-B14F-4D97-AF65-F5344CB8AC3E}">
+        <p14:creationId xmlns:p14="http://schemas.microsoft.com/office/powerpoint/2010/main" val="2714595847"/>
+      </p:ext>
+    </p:extLst>
+  </p:cSld>
+  <p:clrMapOvr>
+    <a:masterClrMapping/>
+  </p:clrMapOvr>
+</p:notes>
+</file>
+
+<file path=ppt/notesSlides/notesSlide11.xml><?xml version="1.0" encoding="utf-8"?>
+<p:notes xmlns:a="http://schemas.openxmlformats.org/drawingml/2006/main" xmlns:r="http://schemas.openxmlformats.org/officeDocument/2006/relationships" xmlns:p="http://schemas.openxmlformats.org/presentationml/2006/main">
+  <p:cSld>
+    <p:spTree>
+      <p:nvGrpSpPr>
+        <p:cNvPr id="1" name=""/>
+        <p:cNvGrpSpPr/>
+        <p:nvPr/>
+      </p:nvGrpSpPr>
+      <p:grpSpPr>
+        <a:xfrm>
+          <a:off x="0" y="0"/>
+          <a:ext cx="0" cy="0"/>
+          <a:chOff x="0" y="0"/>
+          <a:chExt cx="0" cy="0"/>
+        </a:xfrm>
+      </p:grpSpPr>
+      <p:sp>
+        <p:nvSpPr>
+          <p:cNvPr id="2" name="Tijdelijke aanduiding voor dia-afbeelding 1"/>
+          <p:cNvSpPr>
+            <a:spLocks noGrp="1" noRot="1" noChangeAspect="1"/>
+          </p:cNvSpPr>
+          <p:nvPr>
+            <p:ph type="sldImg"/>
+          </p:nvPr>
+        </p:nvSpPr>
+        <p:spPr/>
+      </p:sp>
+      <p:sp>
+        <p:nvSpPr>
+          <p:cNvPr id="3" name="Tijdelijke aanduiding voor notities 2"/>
+          <p:cNvSpPr>
+            <a:spLocks noGrp="1"/>
+          </p:cNvSpPr>
+          <p:nvPr>
+            <p:ph type="body" idx="1"/>
+          </p:nvPr>
+        </p:nvSpPr>
+        <p:spPr/>
+        <p:txBody>
+          <a:bodyPr/>
+          <a:lstStyle/>
+          <a:p>
+            <a:endParaRPr lang="nl-NL" dirty="0"/>
+          </a:p>
+        </p:txBody>
+      </p:sp>
+      <p:sp>
+        <p:nvSpPr>
+          <p:cNvPr id="4" name="Tijdelijke aanduiding voor dianummer 3"/>
+          <p:cNvSpPr>
+            <a:spLocks noGrp="1"/>
+          </p:cNvSpPr>
+          <p:nvPr>
+            <p:ph type="sldNum" sz="quarter" idx="5"/>
+          </p:nvPr>
+        </p:nvSpPr>
+        <p:spPr/>
+        <p:txBody>
+          <a:bodyPr/>
+          <a:lstStyle/>
+          <a:p>
+            <a:fld id="{6DA5F5ED-64BB-4C5C-A82B-3BA43ACDDE50}" type="slidenum">
+              <a:rPr lang="nl-NL" smtClean="0"/>
+              <a:t>11</a:t>
+            </a:fld>
+            <a:endParaRPr lang="nl-NL"/>
+          </a:p>
+        </p:txBody>
+      </p:sp>
+    </p:spTree>
+    <p:extLst>
+      <p:ext uri="{BB962C8B-B14F-4D97-AF65-F5344CB8AC3E}">
+        <p14:creationId xmlns:p14="http://schemas.microsoft.com/office/powerpoint/2010/main" val="2767226891"/>
+      </p:ext>
+    </p:extLst>
+  </p:cSld>
+  <p:clrMapOvr>
+    <a:masterClrMapping/>
+  </p:clrMapOvr>
+</p:notes>
+</file>
+
+<file path=ppt/notesSlides/notesSlide12.xml><?xml version="1.0" encoding="utf-8"?>
+<p:notes xmlns:a="http://schemas.openxmlformats.org/drawingml/2006/main" xmlns:r="http://schemas.openxmlformats.org/officeDocument/2006/relationships" xmlns:p="http://schemas.openxmlformats.org/presentationml/2006/main">
+  <p:cSld>
+    <p:spTree>
+      <p:nvGrpSpPr>
+        <p:cNvPr id="1" name=""/>
+        <p:cNvGrpSpPr/>
+        <p:nvPr/>
+      </p:nvGrpSpPr>
+      <p:grpSpPr>
+        <a:xfrm>
+          <a:off x="0" y="0"/>
+          <a:ext cx="0" cy="0"/>
+          <a:chOff x="0" y="0"/>
+          <a:chExt cx="0" cy="0"/>
+        </a:xfrm>
+      </p:grpSpPr>
+      <p:sp>
+        <p:nvSpPr>
+          <p:cNvPr id="2" name="Tijdelijke aanduiding voor dia-afbeelding 1"/>
+          <p:cNvSpPr>
+            <a:spLocks noGrp="1" noRot="1" noChangeAspect="1"/>
+          </p:cNvSpPr>
+          <p:nvPr>
+            <p:ph type="sldImg"/>
+          </p:nvPr>
+        </p:nvSpPr>
+        <p:spPr/>
+      </p:sp>
+      <p:sp>
+        <p:nvSpPr>
+          <p:cNvPr id="3" name="Tijdelijke aanduiding voor notities 2"/>
+          <p:cNvSpPr>
+            <a:spLocks noGrp="1"/>
+          </p:cNvSpPr>
+          <p:nvPr>
+            <p:ph type="body" idx="1"/>
+          </p:nvPr>
+        </p:nvSpPr>
+        <p:spPr/>
+        <p:txBody>
+          <a:bodyPr/>
+          <a:lstStyle/>
+          <a:p>
+            <a:r>
+              <a:rPr lang="nl-NL" dirty="0"/>
+              <a:t>Eef</a:t>
+            </a:r>
+          </a:p>
+        </p:txBody>
+      </p:sp>
+      <p:sp>
+        <p:nvSpPr>
+          <p:cNvPr id="4" name="Tijdelijke aanduiding voor dianummer 3"/>
+          <p:cNvSpPr>
+            <a:spLocks noGrp="1"/>
+          </p:cNvSpPr>
+          <p:nvPr>
+            <p:ph type="sldNum" sz="quarter" idx="5"/>
+          </p:nvPr>
+        </p:nvSpPr>
+        <p:spPr/>
+        <p:txBody>
+          <a:bodyPr/>
+          <a:lstStyle/>
+          <a:p>
+            <a:fld id="{6DA5F5ED-64BB-4C5C-A82B-3BA43ACDDE50}" type="slidenum">
+              <a:rPr lang="nl-NL" smtClean="0"/>
+              <a:t>12</a:t>
+            </a:fld>
+            <a:endParaRPr lang="nl-NL"/>
+          </a:p>
+        </p:txBody>
+      </p:sp>
+    </p:spTree>
+    <p:extLst>
+      <p:ext uri="{BB962C8B-B14F-4D97-AF65-F5344CB8AC3E}">
+        <p14:creationId xmlns:p14="http://schemas.microsoft.com/office/powerpoint/2010/main" val="3792874161"/>
+      </p:ext>
+    </p:extLst>
+  </p:cSld>
+  <p:clrMapOvr>
+    <a:masterClrMapping/>
+  </p:clrMapOvr>
+</p:notes>
+</file>
+
+<file path=ppt/notesSlides/notesSlide13.xml><?xml version="1.0" encoding="utf-8"?>
+<p:notes xmlns:a="http://schemas.openxmlformats.org/drawingml/2006/main" xmlns:r="http://schemas.openxmlformats.org/officeDocument/2006/relationships" xmlns:p="http://schemas.openxmlformats.org/presentationml/2006/main">
+  <p:cSld>
+    <p:spTree>
+      <p:nvGrpSpPr>
+        <p:cNvPr id="1" name=""/>
+        <p:cNvGrpSpPr/>
+        <p:nvPr/>
+      </p:nvGrpSpPr>
+      <p:grpSpPr>
+        <a:xfrm>
+          <a:off x="0" y="0"/>
+          <a:ext cx="0" cy="0"/>
+          <a:chOff x="0" y="0"/>
+          <a:chExt cx="0" cy="0"/>
+        </a:xfrm>
+      </p:grpSpPr>
+      <p:sp>
+        <p:nvSpPr>
+          <p:cNvPr id="2" name="Tijdelijke aanduiding voor dia-afbeelding 1"/>
+          <p:cNvSpPr>
+            <a:spLocks noGrp="1" noRot="1" noChangeAspect="1"/>
+          </p:cNvSpPr>
+          <p:nvPr>
+            <p:ph type="sldImg"/>
+          </p:nvPr>
+        </p:nvSpPr>
+        <p:spPr/>
+      </p:sp>
+      <p:sp>
+        <p:nvSpPr>
+          <p:cNvPr id="3" name="Tijdelijke aanduiding voor notities 2"/>
+          <p:cNvSpPr>
+            <a:spLocks noGrp="1"/>
+          </p:cNvSpPr>
+          <p:nvPr>
+            <p:ph type="body" idx="1"/>
+          </p:nvPr>
+        </p:nvSpPr>
+        <p:spPr/>
+        <p:txBody>
+          <a:bodyPr/>
+          <a:lstStyle/>
+          <a:p>
+            <a:r>
+              <a:rPr lang="nl-NL" dirty="0"/>
+              <a:t>Eef</a:t>
+            </a:r>
+          </a:p>
+        </p:txBody>
+      </p:sp>
+      <p:sp>
+        <p:nvSpPr>
+          <p:cNvPr id="4" name="Tijdelijke aanduiding voor dianummer 3"/>
+          <p:cNvSpPr>
+            <a:spLocks noGrp="1"/>
+          </p:cNvSpPr>
+          <p:nvPr>
+            <p:ph type="sldNum" sz="quarter" idx="5"/>
+          </p:nvPr>
+        </p:nvSpPr>
+        <p:spPr/>
+        <p:txBody>
+          <a:bodyPr/>
+          <a:lstStyle/>
+          <a:p>
+            <a:fld id="{6DA5F5ED-64BB-4C5C-A82B-3BA43ACDDE50}" type="slidenum">
+              <a:rPr lang="nl-NL" smtClean="0"/>
+              <a:t>13</a:t>
+            </a:fld>
+            <a:endParaRPr lang="nl-NL"/>
+          </a:p>
+        </p:txBody>
+      </p:sp>
+    </p:spTree>
+    <p:extLst>
+      <p:ext uri="{BB962C8B-B14F-4D97-AF65-F5344CB8AC3E}">
+        <p14:creationId xmlns:p14="http://schemas.microsoft.com/office/powerpoint/2010/main" val="3004263007"/>
+      </p:ext>
+    </p:extLst>
+  </p:cSld>
+  <p:clrMapOvr>
+    <a:masterClrMapping/>
+  </p:clrMapOvr>
+</p:notes>
+</file>
+
+<file path=ppt/notesSlides/notesSlide14.xml><?xml version="1.0" encoding="utf-8"?>
+<p:notes xmlns:a="http://schemas.openxmlformats.org/drawingml/2006/main" xmlns:r="http://schemas.openxmlformats.org/officeDocument/2006/relationships" xmlns:p="http://schemas.openxmlformats.org/presentationml/2006/main">
+  <p:cSld>
+    <p:spTree>
+      <p:nvGrpSpPr>
+        <p:cNvPr id="1" name=""/>
+        <p:cNvGrpSpPr/>
+        <p:nvPr/>
+      </p:nvGrpSpPr>
+      <p:grpSpPr>
+        <a:xfrm>
+          <a:off x="0" y="0"/>
+          <a:ext cx="0" cy="0"/>
+          <a:chOff x="0" y="0"/>
+          <a:chExt cx="0" cy="0"/>
+        </a:xfrm>
+      </p:grpSpPr>
+      <p:sp>
+        <p:nvSpPr>
+          <p:cNvPr id="2" name="Tijdelijke aanduiding voor dia-afbeelding 1"/>
+          <p:cNvSpPr>
+            <a:spLocks noGrp="1" noRot="1" noChangeAspect="1"/>
+          </p:cNvSpPr>
+          <p:nvPr>
+            <p:ph type="sldImg"/>
+          </p:nvPr>
+        </p:nvSpPr>
+        <p:spPr/>
+      </p:sp>
+      <p:sp>
+        <p:nvSpPr>
+          <p:cNvPr id="3" name="Tijdelijke aanduiding voor notities 2"/>
+          <p:cNvSpPr>
+            <a:spLocks noGrp="1"/>
+          </p:cNvSpPr>
+          <p:nvPr>
+            <p:ph type="body" idx="1"/>
+          </p:nvPr>
+        </p:nvSpPr>
+        <p:spPr/>
+        <p:txBody>
+          <a:bodyPr/>
+          <a:lstStyle/>
+          <a:p>
+            <a:r>
+              <a:rPr lang="nl-NL" dirty="0"/>
+              <a:t>Eef</a:t>
+            </a:r>
+          </a:p>
+        </p:txBody>
+      </p:sp>
+      <p:sp>
+        <p:nvSpPr>
+          <p:cNvPr id="4" name="Tijdelijke aanduiding voor dianummer 3"/>
+          <p:cNvSpPr>
+            <a:spLocks noGrp="1"/>
+          </p:cNvSpPr>
+          <p:nvPr>
+            <p:ph type="sldNum" sz="quarter" idx="5"/>
+          </p:nvPr>
+        </p:nvSpPr>
+        <p:spPr/>
+        <p:txBody>
+          <a:bodyPr/>
+          <a:lstStyle/>
+          <a:p>
+            <a:fld id="{6DA5F5ED-64BB-4C5C-A82B-3BA43ACDDE50}" type="slidenum">
+              <a:rPr lang="nl-NL" smtClean="0"/>
+              <a:t>14</a:t>
+            </a:fld>
+            <a:endParaRPr lang="nl-NL"/>
+          </a:p>
+        </p:txBody>
+      </p:sp>
+    </p:spTree>
+    <p:extLst>
+      <p:ext uri="{BB962C8B-B14F-4D97-AF65-F5344CB8AC3E}">
+        <p14:creationId xmlns:p14="http://schemas.microsoft.com/office/powerpoint/2010/main" val="1253795897"/>
+      </p:ext>
+    </p:extLst>
+  </p:cSld>
+  <p:clrMapOvr>
+    <a:masterClrMapping/>
+  </p:clrMapOvr>
+</p:notes>
+</file>
+
+<file path=ppt/notesSlides/notesSlide2.xml><?xml version="1.0" encoding="utf-8"?>
+<p:notes xmlns:a="http://schemas.openxmlformats.org/drawingml/2006/main" xmlns:r="http://schemas.openxmlformats.org/officeDocument/2006/relationships" xmlns:p="http://schemas.openxmlformats.org/presentationml/2006/main">
+  <p:cSld>
+    <p:spTree>
+      <p:nvGrpSpPr>
+        <p:cNvPr id="1" name=""/>
+        <p:cNvGrpSpPr/>
+        <p:nvPr/>
+      </p:nvGrpSpPr>
+      <p:grpSpPr>
+        <a:xfrm>
+          <a:off x="0" y="0"/>
+          <a:ext cx="0" cy="0"/>
+          <a:chOff x="0" y="0"/>
+          <a:chExt cx="0" cy="0"/>
+        </a:xfrm>
+      </p:grpSpPr>
+      <p:sp>
+        <p:nvSpPr>
+          <p:cNvPr id="2" name="Tijdelijke aanduiding voor dia-afbeelding 1"/>
+          <p:cNvSpPr>
+            <a:spLocks noGrp="1" noRot="1" noChangeAspect="1"/>
+          </p:cNvSpPr>
+          <p:nvPr>
+            <p:ph type="sldImg"/>
+          </p:nvPr>
+        </p:nvSpPr>
+        <p:spPr/>
+      </p:sp>
+      <p:sp>
+        <p:nvSpPr>
+          <p:cNvPr id="3" name="Tijdelijke aanduiding voor notities 2"/>
+          <p:cNvSpPr>
+            <a:spLocks noGrp="1"/>
+          </p:cNvSpPr>
+          <p:nvPr>
+            <p:ph type="body" idx="1"/>
+          </p:nvPr>
+        </p:nvSpPr>
+        <p:spPr/>
+        <p:txBody>
+          <a:bodyPr/>
+          <a:lstStyle/>
+          <a:p>
+            <a:r>
+              <a:rPr lang="nl-NL" dirty="0"/>
+              <a:t>Cor</a:t>
+            </a:r>
+          </a:p>
+        </p:txBody>
+      </p:sp>
+      <p:sp>
+        <p:nvSpPr>
+          <p:cNvPr id="4" name="Tijdelijke aanduiding voor dianummer 3"/>
+          <p:cNvSpPr>
+            <a:spLocks noGrp="1"/>
+          </p:cNvSpPr>
+          <p:nvPr>
+            <p:ph type="sldNum" sz="quarter" idx="5"/>
+          </p:nvPr>
+        </p:nvSpPr>
+        <p:spPr/>
+        <p:txBody>
+          <a:bodyPr/>
+          <a:lstStyle/>
+          <a:p>
+            <a:fld id="{6DA5F5ED-64BB-4C5C-A82B-3BA43ACDDE50}" type="slidenum">
+              <a:rPr lang="nl-NL" smtClean="0"/>
+              <a:t>2</a:t>
+            </a:fld>
+            <a:endParaRPr lang="nl-NL"/>
+          </a:p>
+        </p:txBody>
+      </p:sp>
+    </p:spTree>
+    <p:extLst>
+      <p:ext uri="{BB962C8B-B14F-4D97-AF65-F5344CB8AC3E}">
+        <p14:creationId xmlns:p14="http://schemas.microsoft.com/office/powerpoint/2010/main" val="1566017738"/>
+      </p:ext>
+    </p:extLst>
+  </p:cSld>
+  <p:clrMapOvr>
+    <a:masterClrMapping/>
+  </p:clrMapOvr>
+</p:notes>
+</file>
+
+<file path=ppt/notesSlides/notesSlide3.xml><?xml version="1.0" encoding="utf-8"?>
+<p:notes xmlns:a="http://schemas.openxmlformats.org/drawingml/2006/main" xmlns:r="http://schemas.openxmlformats.org/officeDocument/2006/relationships" xmlns:p="http://schemas.openxmlformats.org/presentationml/2006/main">
+  <p:cSld>
+    <p:spTree>
+      <p:nvGrpSpPr>
+        <p:cNvPr id="1" name=""/>
+        <p:cNvGrpSpPr/>
+        <p:nvPr/>
+      </p:nvGrpSpPr>
+      <p:grpSpPr>
+        <a:xfrm>
+          <a:off x="0" y="0"/>
+          <a:ext cx="0" cy="0"/>
+          <a:chOff x="0" y="0"/>
+          <a:chExt cx="0" cy="0"/>
+        </a:xfrm>
+      </p:grpSpPr>
+      <p:sp>
+        <p:nvSpPr>
+          <p:cNvPr id="2" name="Tijdelijke aanduiding voor dia-afbeelding 1"/>
+          <p:cNvSpPr>
+            <a:spLocks noGrp="1" noRot="1" noChangeAspect="1"/>
+          </p:cNvSpPr>
+          <p:nvPr>
+            <p:ph type="sldImg"/>
+          </p:nvPr>
+        </p:nvSpPr>
+        <p:spPr/>
+      </p:sp>
+      <p:sp>
+        <p:nvSpPr>
+          <p:cNvPr id="3" name="Tijdelijke aanduiding voor notities 2"/>
+          <p:cNvSpPr>
+            <a:spLocks noGrp="1"/>
+          </p:cNvSpPr>
+          <p:nvPr>
+            <p:ph type="body" idx="1"/>
+          </p:nvPr>
+        </p:nvSpPr>
+        <p:spPr/>
+        <p:txBody>
+          <a:bodyPr/>
+          <a:lstStyle/>
+          <a:p>
+            <a:r>
+              <a:rPr lang="nl-NL" dirty="0"/>
+              <a:t>Corné</a:t>
+            </a:r>
+          </a:p>
+        </p:txBody>
+      </p:sp>
+      <p:sp>
+        <p:nvSpPr>
+          <p:cNvPr id="4" name="Tijdelijke aanduiding voor dianummer 3"/>
+          <p:cNvSpPr>
+            <a:spLocks noGrp="1"/>
+          </p:cNvSpPr>
+          <p:nvPr>
+            <p:ph type="sldNum" sz="quarter" idx="5"/>
+          </p:nvPr>
+        </p:nvSpPr>
+        <p:spPr/>
+        <p:txBody>
+          <a:bodyPr/>
+          <a:lstStyle/>
+          <a:p>
+            <a:fld id="{6DA5F5ED-64BB-4C5C-A82B-3BA43ACDDE50}" type="slidenum">
+              <a:rPr lang="nl-NL" smtClean="0"/>
+              <a:t>3</a:t>
+            </a:fld>
+            <a:endParaRPr lang="nl-NL"/>
+          </a:p>
+        </p:txBody>
+      </p:sp>
+    </p:spTree>
+    <p:extLst>
+      <p:ext uri="{BB962C8B-B14F-4D97-AF65-F5344CB8AC3E}">
+        <p14:creationId xmlns:p14="http://schemas.microsoft.com/office/powerpoint/2010/main" val="233185208"/>
+      </p:ext>
+    </p:extLst>
+  </p:cSld>
+  <p:clrMapOvr>
+    <a:masterClrMapping/>
+  </p:clrMapOvr>
+</p:notes>
+</file>
+
+<file path=ppt/notesSlides/notesSlide4.xml><?xml version="1.0" encoding="utf-8"?>
+<p:notes xmlns:a="http://schemas.openxmlformats.org/drawingml/2006/main" xmlns:r="http://schemas.openxmlformats.org/officeDocument/2006/relationships" xmlns:p="http://schemas.openxmlformats.org/presentationml/2006/main">
+  <p:cSld>
+    <p:spTree>
+      <p:nvGrpSpPr>
+        <p:cNvPr id="1" name=""/>
+        <p:cNvGrpSpPr/>
+        <p:nvPr/>
+      </p:nvGrpSpPr>
+      <p:grpSpPr>
+        <a:xfrm>
+          <a:off x="0" y="0"/>
+          <a:ext cx="0" cy="0"/>
+          <a:chOff x="0" y="0"/>
+          <a:chExt cx="0" cy="0"/>
+        </a:xfrm>
+      </p:grpSpPr>
+      <p:sp>
+        <p:nvSpPr>
+          <p:cNvPr id="2" name="Tijdelijke aanduiding voor dia-afbeelding 1"/>
+          <p:cNvSpPr>
+            <a:spLocks noGrp="1" noRot="1" noChangeAspect="1"/>
+          </p:cNvSpPr>
+          <p:nvPr>
+            <p:ph type="sldImg"/>
+          </p:nvPr>
+        </p:nvSpPr>
+        <p:spPr/>
+      </p:sp>
+      <p:sp>
+        <p:nvSpPr>
+          <p:cNvPr id="3" name="Tijdelijke aanduiding voor notities 2"/>
+          <p:cNvSpPr>
+            <a:spLocks noGrp="1"/>
+          </p:cNvSpPr>
+          <p:nvPr>
+            <p:ph type="body" idx="1"/>
+          </p:nvPr>
+        </p:nvSpPr>
+        <p:spPr/>
+        <p:txBody>
+          <a:bodyPr/>
+          <a:lstStyle/>
+          <a:p>
+            <a:r>
+              <a:rPr lang="nl-NL" dirty="0"/>
+              <a:t>Corné</a:t>
+            </a:r>
+          </a:p>
+        </p:txBody>
+      </p:sp>
+      <p:sp>
+        <p:nvSpPr>
+          <p:cNvPr id="4" name="Tijdelijke aanduiding voor dianummer 3"/>
+          <p:cNvSpPr>
+            <a:spLocks noGrp="1"/>
+          </p:cNvSpPr>
+          <p:nvPr>
+            <p:ph type="sldNum" sz="quarter" idx="5"/>
+          </p:nvPr>
+        </p:nvSpPr>
+        <p:spPr/>
+        <p:txBody>
+          <a:bodyPr/>
+          <a:lstStyle/>
+          <a:p>
+            <a:fld id="{6DA5F5ED-64BB-4C5C-A82B-3BA43ACDDE50}" type="slidenum">
+              <a:rPr lang="nl-NL" smtClean="0"/>
+              <a:t>4</a:t>
+            </a:fld>
+            <a:endParaRPr lang="nl-NL"/>
+          </a:p>
+        </p:txBody>
+      </p:sp>
+    </p:spTree>
+    <p:extLst>
+      <p:ext uri="{BB962C8B-B14F-4D97-AF65-F5344CB8AC3E}">
+        <p14:creationId xmlns:p14="http://schemas.microsoft.com/office/powerpoint/2010/main" val="3759733090"/>
+      </p:ext>
+    </p:extLst>
+  </p:cSld>
+  <p:clrMapOvr>
+    <a:masterClrMapping/>
+  </p:clrMapOvr>
+</p:notes>
+</file>
+
+<file path=ppt/notesSlides/notesSlide5.xml><?xml version="1.0" encoding="utf-8"?>
+<p:notes xmlns:a="http://schemas.openxmlformats.org/drawingml/2006/main" xmlns:r="http://schemas.openxmlformats.org/officeDocument/2006/relationships" xmlns:p="http://schemas.openxmlformats.org/presentationml/2006/main">
+  <p:cSld>
+    <p:spTree>
+      <p:nvGrpSpPr>
+        <p:cNvPr id="1" name=""/>
+        <p:cNvGrpSpPr/>
+        <p:nvPr/>
+      </p:nvGrpSpPr>
+      <p:grpSpPr>
+        <a:xfrm>
+          <a:off x="0" y="0"/>
+          <a:ext cx="0" cy="0"/>
+          <a:chOff x="0" y="0"/>
+          <a:chExt cx="0" cy="0"/>
+        </a:xfrm>
+      </p:grpSpPr>
+      <p:sp>
+        <p:nvSpPr>
+          <p:cNvPr id="2" name="Tijdelijke aanduiding voor dia-afbeelding 1"/>
+          <p:cNvSpPr>
+            <a:spLocks noGrp="1" noRot="1" noChangeAspect="1"/>
+          </p:cNvSpPr>
+          <p:nvPr>
+            <p:ph type="sldImg"/>
+          </p:nvPr>
+        </p:nvSpPr>
+        <p:spPr/>
+      </p:sp>
+      <p:sp>
+        <p:nvSpPr>
+          <p:cNvPr id="3" name="Tijdelijke aanduiding voor notities 2"/>
+          <p:cNvSpPr>
+            <a:spLocks noGrp="1"/>
+          </p:cNvSpPr>
+          <p:nvPr>
+            <p:ph type="body" idx="1"/>
+          </p:nvPr>
+        </p:nvSpPr>
+        <p:spPr/>
+        <p:txBody>
+          <a:bodyPr/>
+          <a:lstStyle/>
+          <a:p>
+            <a:r>
+              <a:rPr lang="nl-NL" dirty="0"/>
+              <a:t>Corné</a:t>
+            </a:r>
+          </a:p>
+        </p:txBody>
+      </p:sp>
+      <p:sp>
+        <p:nvSpPr>
+          <p:cNvPr id="4" name="Tijdelijke aanduiding voor dianummer 3"/>
+          <p:cNvSpPr>
+            <a:spLocks noGrp="1"/>
+          </p:cNvSpPr>
+          <p:nvPr>
+            <p:ph type="sldNum" sz="quarter" idx="5"/>
+          </p:nvPr>
+        </p:nvSpPr>
+        <p:spPr/>
+        <p:txBody>
+          <a:bodyPr/>
+          <a:lstStyle/>
+          <a:p>
+            <a:fld id="{6DA5F5ED-64BB-4C5C-A82B-3BA43ACDDE50}" type="slidenum">
+              <a:rPr lang="nl-NL" smtClean="0"/>
+              <a:t>5</a:t>
+            </a:fld>
+            <a:endParaRPr lang="nl-NL"/>
+          </a:p>
+        </p:txBody>
+      </p:sp>
+    </p:spTree>
+    <p:extLst>
+      <p:ext uri="{BB962C8B-B14F-4D97-AF65-F5344CB8AC3E}">
+        <p14:creationId xmlns:p14="http://schemas.microsoft.com/office/powerpoint/2010/main" val="1062851101"/>
+      </p:ext>
+    </p:extLst>
+  </p:cSld>
+  <p:clrMapOvr>
+    <a:masterClrMapping/>
+  </p:clrMapOvr>
+</p:notes>
+</file>
+
+<file path=ppt/notesSlides/notesSlide6.xml><?xml version="1.0" encoding="utf-8"?>
+<p:notes xmlns:a="http://schemas.openxmlformats.org/drawingml/2006/main" xmlns:r="http://schemas.openxmlformats.org/officeDocument/2006/relationships" xmlns:p="http://schemas.openxmlformats.org/presentationml/2006/main">
+  <p:cSld>
+    <p:spTree>
+      <p:nvGrpSpPr>
+        <p:cNvPr id="1" name=""/>
+        <p:cNvGrpSpPr/>
+        <p:nvPr/>
+      </p:nvGrpSpPr>
+      <p:grpSpPr>
+        <a:xfrm>
+          <a:off x="0" y="0"/>
+          <a:ext cx="0" cy="0"/>
+          <a:chOff x="0" y="0"/>
+          <a:chExt cx="0" cy="0"/>
+        </a:xfrm>
+      </p:grpSpPr>
+      <p:sp>
+        <p:nvSpPr>
+          <p:cNvPr id="2" name="Tijdelijke aanduiding voor dia-afbeelding 1"/>
+          <p:cNvSpPr>
+            <a:spLocks noGrp="1" noRot="1" noChangeAspect="1"/>
+          </p:cNvSpPr>
+          <p:nvPr>
+            <p:ph type="sldImg"/>
+          </p:nvPr>
+        </p:nvSpPr>
+        <p:spPr/>
+      </p:sp>
+      <p:sp>
+        <p:nvSpPr>
+          <p:cNvPr id="3" name="Tijdelijke aanduiding voor notities 2"/>
+          <p:cNvSpPr>
+            <a:spLocks noGrp="1"/>
+          </p:cNvSpPr>
+          <p:nvPr>
+            <p:ph type="body" idx="1"/>
+          </p:nvPr>
+        </p:nvSpPr>
+        <p:spPr/>
+        <p:txBody>
+          <a:bodyPr/>
+          <a:lstStyle/>
+          <a:p>
+            <a:r>
+              <a:rPr lang="nl-NL" dirty="0"/>
+              <a:t>Corné</a:t>
+            </a:r>
+          </a:p>
+        </p:txBody>
+      </p:sp>
+      <p:sp>
+        <p:nvSpPr>
+          <p:cNvPr id="4" name="Tijdelijke aanduiding voor dianummer 3"/>
+          <p:cNvSpPr>
+            <a:spLocks noGrp="1"/>
+          </p:cNvSpPr>
+          <p:nvPr>
+            <p:ph type="sldNum" sz="quarter" idx="5"/>
+          </p:nvPr>
+        </p:nvSpPr>
+        <p:spPr/>
+        <p:txBody>
+          <a:bodyPr/>
+          <a:lstStyle/>
+          <a:p>
+            <a:fld id="{6DA5F5ED-64BB-4C5C-A82B-3BA43ACDDE50}" type="slidenum">
+              <a:rPr lang="nl-NL" smtClean="0"/>
+              <a:t>6</a:t>
+            </a:fld>
+            <a:endParaRPr lang="nl-NL"/>
+          </a:p>
+        </p:txBody>
+      </p:sp>
+    </p:spTree>
+    <p:extLst>
+      <p:ext uri="{BB962C8B-B14F-4D97-AF65-F5344CB8AC3E}">
+        <p14:creationId xmlns:p14="http://schemas.microsoft.com/office/powerpoint/2010/main" val="1997471697"/>
+      </p:ext>
+    </p:extLst>
+  </p:cSld>
+  <p:clrMapOvr>
+    <a:masterClrMapping/>
+  </p:clrMapOvr>
+</p:notes>
+</file>
+
+<file path=ppt/notesSlides/notesSlide7.xml><?xml version="1.0" encoding="utf-8"?>
+<p:notes xmlns:a="http://schemas.openxmlformats.org/drawingml/2006/main" xmlns:r="http://schemas.openxmlformats.org/officeDocument/2006/relationships" xmlns:p="http://schemas.openxmlformats.org/presentationml/2006/main">
+  <p:cSld>
+    <p:spTree>
+      <p:nvGrpSpPr>
+        <p:cNvPr id="1" name=""/>
+        <p:cNvGrpSpPr/>
+        <p:nvPr/>
+      </p:nvGrpSpPr>
+      <p:grpSpPr>
+        <a:xfrm>
+          <a:off x="0" y="0"/>
+          <a:ext cx="0" cy="0"/>
+          <a:chOff x="0" y="0"/>
+          <a:chExt cx="0" cy="0"/>
+        </a:xfrm>
+      </p:grpSpPr>
+      <p:sp>
+        <p:nvSpPr>
+          <p:cNvPr id="2" name="Tijdelijke aanduiding voor dia-afbeelding 1"/>
+          <p:cNvSpPr>
+            <a:spLocks noGrp="1" noRot="1" noChangeAspect="1"/>
+          </p:cNvSpPr>
+          <p:nvPr>
+            <p:ph type="sldImg"/>
+          </p:nvPr>
+        </p:nvSpPr>
+        <p:spPr/>
+      </p:sp>
+      <p:sp>
+        <p:nvSpPr>
+          <p:cNvPr id="3" name="Tijdelijke aanduiding voor notities 2"/>
+          <p:cNvSpPr>
+            <a:spLocks noGrp="1"/>
+          </p:cNvSpPr>
+          <p:nvPr>
+            <p:ph type="body" idx="1"/>
+          </p:nvPr>
+        </p:nvSpPr>
+        <p:spPr/>
+        <p:txBody>
+          <a:bodyPr/>
+          <a:lstStyle/>
+          <a:p>
+            <a:r>
+              <a:rPr lang="nl-NL" dirty="0"/>
+              <a:t>Eef</a:t>
+            </a:r>
+          </a:p>
+        </p:txBody>
+      </p:sp>
+      <p:sp>
+        <p:nvSpPr>
+          <p:cNvPr id="4" name="Tijdelijke aanduiding voor dianummer 3"/>
+          <p:cNvSpPr>
+            <a:spLocks noGrp="1"/>
+          </p:cNvSpPr>
+          <p:nvPr>
+            <p:ph type="sldNum" sz="quarter" idx="5"/>
+          </p:nvPr>
+        </p:nvSpPr>
+        <p:spPr/>
+        <p:txBody>
+          <a:bodyPr/>
+          <a:lstStyle/>
+          <a:p>
+            <a:fld id="{6DA5F5ED-64BB-4C5C-A82B-3BA43ACDDE50}" type="slidenum">
+              <a:rPr lang="nl-NL" smtClean="0"/>
+              <a:t>7</a:t>
+            </a:fld>
+            <a:endParaRPr lang="nl-NL"/>
+          </a:p>
+        </p:txBody>
+      </p:sp>
+    </p:spTree>
+    <p:extLst>
+      <p:ext uri="{BB962C8B-B14F-4D97-AF65-F5344CB8AC3E}">
+        <p14:creationId xmlns:p14="http://schemas.microsoft.com/office/powerpoint/2010/main" val="3443355689"/>
+      </p:ext>
+    </p:extLst>
+  </p:cSld>
+  <p:clrMapOvr>
+    <a:masterClrMapping/>
+  </p:clrMapOvr>
+</p:notes>
+</file>
+
+<file path=ppt/notesSlides/notesSlide8.xml><?xml version="1.0" encoding="utf-8"?>
+<p:notes xmlns:a="http://schemas.openxmlformats.org/drawingml/2006/main" xmlns:r="http://schemas.openxmlformats.org/officeDocument/2006/relationships" xmlns:p="http://schemas.openxmlformats.org/presentationml/2006/main">
+  <p:cSld>
+    <p:spTree>
+      <p:nvGrpSpPr>
+        <p:cNvPr id="1" name=""/>
+        <p:cNvGrpSpPr/>
+        <p:nvPr/>
+      </p:nvGrpSpPr>
+      <p:grpSpPr>
+        <a:xfrm>
+          <a:off x="0" y="0"/>
+          <a:ext cx="0" cy="0"/>
+          <a:chOff x="0" y="0"/>
+          <a:chExt cx="0" cy="0"/>
+        </a:xfrm>
+      </p:grpSpPr>
+      <p:sp>
+        <p:nvSpPr>
+          <p:cNvPr id="2" name="Tijdelijke aanduiding voor dia-afbeelding 1"/>
+          <p:cNvSpPr>
+            <a:spLocks noGrp="1" noRot="1" noChangeAspect="1"/>
+          </p:cNvSpPr>
+          <p:nvPr>
+            <p:ph type="sldImg"/>
+          </p:nvPr>
+        </p:nvSpPr>
+        <p:spPr/>
+      </p:sp>
+      <p:sp>
+        <p:nvSpPr>
+          <p:cNvPr id="3" name="Tijdelijke aanduiding voor notities 2"/>
+          <p:cNvSpPr>
+            <a:spLocks noGrp="1"/>
+          </p:cNvSpPr>
+          <p:nvPr>
+            <p:ph type="body" idx="1"/>
+          </p:nvPr>
+        </p:nvSpPr>
+        <p:spPr/>
+        <p:txBody>
+          <a:bodyPr/>
+          <a:lstStyle/>
+          <a:p>
+            <a:r>
+              <a:rPr lang="nl-NL" dirty="0"/>
+              <a:t>Eef</a:t>
+            </a:r>
+          </a:p>
+        </p:txBody>
+      </p:sp>
+      <p:sp>
+        <p:nvSpPr>
+          <p:cNvPr id="4" name="Tijdelijke aanduiding voor dianummer 3"/>
+          <p:cNvSpPr>
+            <a:spLocks noGrp="1"/>
+          </p:cNvSpPr>
+          <p:nvPr>
+            <p:ph type="sldNum" sz="quarter" idx="5"/>
+          </p:nvPr>
+        </p:nvSpPr>
+        <p:spPr/>
+        <p:txBody>
+          <a:bodyPr/>
+          <a:lstStyle/>
+          <a:p>
+            <a:fld id="{6DA5F5ED-64BB-4C5C-A82B-3BA43ACDDE50}" type="slidenum">
+              <a:rPr lang="nl-NL" smtClean="0"/>
+              <a:t>8</a:t>
+            </a:fld>
+            <a:endParaRPr lang="nl-NL"/>
+          </a:p>
+        </p:txBody>
+      </p:sp>
+    </p:spTree>
+    <p:extLst>
+      <p:ext uri="{BB962C8B-B14F-4D97-AF65-F5344CB8AC3E}">
+        <p14:creationId xmlns:p14="http://schemas.microsoft.com/office/powerpoint/2010/main" val="1708431058"/>
+      </p:ext>
+    </p:extLst>
+  </p:cSld>
+  <p:clrMapOvr>
+    <a:masterClrMapping/>
+  </p:clrMapOvr>
+</p:notes>
+</file>
+
+<file path=ppt/notesSlides/notesSlide9.xml><?xml version="1.0" encoding="utf-8"?>
+<p:notes xmlns:a="http://schemas.openxmlformats.org/drawingml/2006/main" xmlns:r="http://schemas.openxmlformats.org/officeDocument/2006/relationships" xmlns:p="http://schemas.openxmlformats.org/presentationml/2006/main">
+  <p:cSld>
+    <p:spTree>
+      <p:nvGrpSpPr>
+        <p:cNvPr id="1" name=""/>
+        <p:cNvGrpSpPr/>
+        <p:nvPr/>
+      </p:nvGrpSpPr>
+      <p:grpSpPr>
+        <a:xfrm>
+          <a:off x="0" y="0"/>
+          <a:ext cx="0" cy="0"/>
+          <a:chOff x="0" y="0"/>
+          <a:chExt cx="0" cy="0"/>
+        </a:xfrm>
+      </p:grpSpPr>
+      <p:sp>
+        <p:nvSpPr>
+          <p:cNvPr id="2" name="Tijdelijke aanduiding voor dia-afbeelding 1"/>
+          <p:cNvSpPr>
+            <a:spLocks noGrp="1" noRot="1" noChangeAspect="1"/>
+          </p:cNvSpPr>
+          <p:nvPr>
+            <p:ph type="sldImg"/>
+          </p:nvPr>
+        </p:nvSpPr>
+        <p:spPr/>
+      </p:sp>
+      <p:sp>
+        <p:nvSpPr>
+          <p:cNvPr id="3" name="Tijdelijke aanduiding voor notities 2"/>
+          <p:cNvSpPr>
+            <a:spLocks noGrp="1"/>
+          </p:cNvSpPr>
+          <p:nvPr>
+            <p:ph type="body" idx="1"/>
+          </p:nvPr>
+        </p:nvSpPr>
+        <p:spPr/>
+        <p:txBody>
+          <a:bodyPr/>
+          <a:lstStyle/>
+          <a:p>
+            <a:r>
+              <a:rPr lang="nl-NL" dirty="0"/>
+              <a:t>Coen</a:t>
+            </a:r>
+          </a:p>
+        </p:txBody>
+      </p:sp>
+      <p:sp>
+        <p:nvSpPr>
+          <p:cNvPr id="4" name="Tijdelijke aanduiding voor dianummer 3"/>
+          <p:cNvSpPr>
+            <a:spLocks noGrp="1"/>
+          </p:cNvSpPr>
+          <p:nvPr>
+            <p:ph type="sldNum" sz="quarter" idx="5"/>
+          </p:nvPr>
+        </p:nvSpPr>
+        <p:spPr/>
+        <p:txBody>
+          <a:bodyPr/>
+          <a:lstStyle/>
+          <a:p>
+            <a:fld id="{6DA5F5ED-64BB-4C5C-A82B-3BA43ACDDE50}" type="slidenum">
+              <a:rPr lang="nl-NL" smtClean="0"/>
+              <a:t>9</a:t>
+            </a:fld>
+            <a:endParaRPr lang="nl-NL"/>
+          </a:p>
+        </p:txBody>
+      </p:sp>
+    </p:spTree>
+    <p:extLst>
+      <p:ext uri="{BB962C8B-B14F-4D97-AF65-F5344CB8AC3E}">
+        <p14:creationId xmlns:p14="http://schemas.microsoft.com/office/powerpoint/2010/main" val="1156531264"/>
       </p:ext>
     </p:extLst>
   </p:cSld>
@@ -6721,119 +7935,6 @@
           <p:cNvPr id="2" name="Titel 1">
             <a:extLst>
               <a:ext uri="{FF2B5EF4-FFF2-40B4-BE49-F238E27FC236}">
-                <a16:creationId xmlns:a16="http://schemas.microsoft.com/office/drawing/2014/main" id="{45783F11-8E42-40B3-9B36-6B5FE1D01BFC}"/>
-              </a:ext>
-            </a:extLst>
-          </p:cNvPr>
-          <p:cNvSpPr>
-            <a:spLocks noGrp="1"/>
-          </p:cNvSpPr>
-          <p:nvPr>
-            <p:ph type="title"/>
-          </p:nvPr>
-        </p:nvSpPr>
-        <p:spPr/>
-        <p:txBody>
-          <a:bodyPr/>
-          <a:lstStyle/>
-          <a:p>
-            <a:r>
-              <a:rPr lang="nl-NL" dirty="0"/>
-              <a:t>Resultaten: Depth First</a:t>
-            </a:r>
-            <a:endParaRPr lang="en-US" dirty="0"/>
-          </a:p>
-        </p:txBody>
-      </p:sp>
-      <p:sp>
-        <p:nvSpPr>
-          <p:cNvPr id="3" name="Tijdelijke aanduiding voor inhoud 2">
-            <a:extLst>
-              <a:ext uri="{FF2B5EF4-FFF2-40B4-BE49-F238E27FC236}">
-                <a16:creationId xmlns:a16="http://schemas.microsoft.com/office/drawing/2014/main" id="{B5A27776-E92A-45C2-B0A6-FD6496103A85}"/>
-              </a:ext>
-            </a:extLst>
-          </p:cNvPr>
-          <p:cNvSpPr>
-            <a:spLocks noGrp="1"/>
-          </p:cNvSpPr>
-          <p:nvPr>
-            <p:ph idx="1"/>
-          </p:nvPr>
-        </p:nvSpPr>
-        <p:spPr/>
-        <p:txBody>
-          <a:bodyPr/>
-          <a:lstStyle/>
-          <a:p>
-            <a:endParaRPr lang="en-US" dirty="0"/>
-          </a:p>
-        </p:txBody>
-      </p:sp>
-      <p:sp>
-        <p:nvSpPr>
-          <p:cNvPr id="4" name="Tijdelijke aanduiding voor dianummer 3">
-            <a:extLst>
-              <a:ext uri="{FF2B5EF4-FFF2-40B4-BE49-F238E27FC236}">
-                <a16:creationId xmlns:a16="http://schemas.microsoft.com/office/drawing/2014/main" id="{95DF3AEA-B338-408F-B84C-76EC43EC869B}"/>
-              </a:ext>
-            </a:extLst>
-          </p:cNvPr>
-          <p:cNvSpPr>
-            <a:spLocks noGrp="1"/>
-          </p:cNvSpPr>
-          <p:nvPr>
-            <p:ph type="sldNum" sz="quarter" idx="12"/>
-          </p:nvPr>
-        </p:nvSpPr>
-        <p:spPr/>
-        <p:txBody>
-          <a:bodyPr/>
-          <a:lstStyle/>
-          <a:p>
-            <a:fld id="{519954A3-9DFD-4C44-94BA-B95130A3BA1C}" type="slidenum">
-              <a:rPr lang="en-US" smtClean="0"/>
-              <a:t>10</a:t>
-            </a:fld>
-            <a:endParaRPr lang="en-US" dirty="0"/>
-          </a:p>
-        </p:txBody>
-      </p:sp>
-    </p:spTree>
-    <p:extLst>
-      <p:ext uri="{BB962C8B-B14F-4D97-AF65-F5344CB8AC3E}">
-        <p14:creationId xmlns:p14="http://schemas.microsoft.com/office/powerpoint/2010/main" val="814222288"/>
-      </p:ext>
-    </p:extLst>
-  </p:cSld>
-  <p:clrMapOvr>
-    <a:masterClrMapping/>
-  </p:clrMapOvr>
-</p:sld>
-</file>
-
-<file path=ppt/slides/slide11.xml><?xml version="1.0" encoding="utf-8"?>
-<p:sld xmlns:a="http://schemas.openxmlformats.org/drawingml/2006/main" xmlns:r="http://schemas.openxmlformats.org/officeDocument/2006/relationships" xmlns:p="http://schemas.openxmlformats.org/presentationml/2006/main">
-  <p:cSld>
-    <p:spTree>
-      <p:nvGrpSpPr>
-        <p:cNvPr id="1" name=""/>
-        <p:cNvGrpSpPr/>
-        <p:nvPr/>
-      </p:nvGrpSpPr>
-      <p:grpSpPr>
-        <a:xfrm>
-          <a:off x="0" y="0"/>
-          <a:ext cx="0" cy="0"/>
-          <a:chOff x="0" y="0"/>
-          <a:chExt cx="0" cy="0"/>
-        </a:xfrm>
-      </p:grpSpPr>
-      <p:sp>
-        <p:nvSpPr>
-          <p:cNvPr id="2" name="Titel 1">
-            <a:extLst>
-              <a:ext uri="{FF2B5EF4-FFF2-40B4-BE49-F238E27FC236}">
                 <a16:creationId xmlns:a16="http://schemas.microsoft.com/office/drawing/2014/main" id="{41E1B08A-92BE-4449-95C0-34A187D13F9B}"/>
               </a:ext>
             </a:extLst>
@@ -6885,7 +7986,7 @@
           <a:p>
             <a:fld id="{519954A3-9DFD-4C44-94BA-B95130A3BA1C}" type="slidenum">
               <a:rPr lang="en-US" smtClean="0"/>
-              <a:t>11</a:t>
+              <a:t>10</a:t>
             </a:fld>
             <a:endParaRPr lang="en-US" dirty="0"/>
           </a:p>
@@ -7204,16 +8305,15 @@
             <p:ph idx="1"/>
           </p:nvPr>
         </p:nvPicPr>
-        <p:blipFill>
-          <a:blip r:embed="rId2"/>
-          <a:stretch>
-            <a:fillRect/>
-          </a:stretch>
+        <p:blipFill rotWithShape="1">
+          <a:blip r:embed="rId3"/>
+          <a:srcRect r="1764"/>
+          <a:stretch/>
         </p:blipFill>
         <p:spPr>
           <a:xfrm>
-            <a:off x="4638888" y="2210690"/>
-            <a:ext cx="3881437" cy="3881437"/>
+            <a:off x="4638889" y="2210690"/>
+            <a:ext cx="3812962" cy="3881437"/>
           </a:xfrm>
         </p:spPr>
       </p:pic>
@@ -7277,6 +8377,188 @@
 </p:sld>
 </file>
 
+<file path=ppt/slides/slide11.xml><?xml version="1.0" encoding="utf-8"?>
+<p:sld xmlns:a="http://schemas.openxmlformats.org/drawingml/2006/main" xmlns:r="http://schemas.openxmlformats.org/officeDocument/2006/relationships" xmlns:p="http://schemas.openxmlformats.org/presentationml/2006/main">
+  <p:cSld>
+    <p:spTree>
+      <p:nvGrpSpPr>
+        <p:cNvPr id="1" name=""/>
+        <p:cNvGrpSpPr/>
+        <p:nvPr/>
+      </p:nvGrpSpPr>
+      <p:grpSpPr>
+        <a:xfrm>
+          <a:off x="0" y="0"/>
+          <a:ext cx="0" cy="0"/>
+          <a:chOff x="0" y="0"/>
+          <a:chExt cx="0" cy="0"/>
+        </a:xfrm>
+      </p:grpSpPr>
+      <p:sp>
+        <p:nvSpPr>
+          <p:cNvPr id="2" name="Titel 1">
+            <a:extLst>
+              <a:ext uri="{FF2B5EF4-FFF2-40B4-BE49-F238E27FC236}">
+                <a16:creationId xmlns:a16="http://schemas.microsoft.com/office/drawing/2014/main" id="{F789D919-3D78-43D9-BD7D-CA7521B7EC30}"/>
+              </a:ext>
+            </a:extLst>
+          </p:cNvPr>
+          <p:cNvSpPr>
+            <a:spLocks noGrp="1"/>
+          </p:cNvSpPr>
+          <p:nvPr>
+            <p:ph type="title"/>
+          </p:nvPr>
+        </p:nvSpPr>
+        <p:spPr/>
+        <p:txBody>
+          <a:bodyPr/>
+          <a:lstStyle/>
+          <a:p>
+            <a:r>
+              <a:rPr lang="nl-NL" dirty="0"/>
+              <a:t>Resultaten: </a:t>
+            </a:r>
+            <a:r>
+              <a:rPr lang="nl-NL" dirty="0" err="1"/>
+              <a:t>Hillclimber</a:t>
+            </a:r>
+            <a:endParaRPr lang="nl-NL" dirty="0"/>
+          </a:p>
+        </p:txBody>
+      </p:sp>
+      <p:sp>
+        <p:nvSpPr>
+          <p:cNvPr id="3" name="Tijdelijke aanduiding voor inhoud 2">
+            <a:extLst>
+              <a:ext uri="{FF2B5EF4-FFF2-40B4-BE49-F238E27FC236}">
+                <a16:creationId xmlns:a16="http://schemas.microsoft.com/office/drawing/2014/main" id="{F2F04F28-2F50-4BA0-B85D-547F96E630E1}"/>
+              </a:ext>
+            </a:extLst>
+          </p:cNvPr>
+          <p:cNvSpPr>
+            <a:spLocks noGrp="1"/>
+          </p:cNvSpPr>
+          <p:nvPr>
+            <p:ph idx="1"/>
+          </p:nvPr>
+        </p:nvSpPr>
+        <p:spPr/>
+        <p:txBody>
+          <a:bodyPr/>
+          <a:lstStyle/>
+          <a:p>
+            <a:r>
+              <a:rPr lang="nl-NL" dirty="0"/>
+              <a:t>Start: beste van 500 </a:t>
+            </a:r>
+            <a:r>
+              <a:rPr lang="nl-NL" dirty="0" err="1"/>
+              <a:t>randoms</a:t>
+            </a:r>
+            <a:endParaRPr lang="nl-NL" dirty="0"/>
+          </a:p>
+          <a:p>
+            <a:r>
+              <a:rPr lang="nl-NL" dirty="0"/>
+              <a:t>Max. verplaatsingen van 3</a:t>
+            </a:r>
+          </a:p>
+          <a:p>
+            <a:r>
+              <a:rPr lang="nl-NL" dirty="0"/>
+              <a:t>50 iteraties</a:t>
+            </a:r>
+          </a:p>
+          <a:p>
+            <a:endParaRPr lang="nl-NL" dirty="0"/>
+          </a:p>
+          <a:p>
+            <a:r>
+              <a:rPr lang="nl-NL" dirty="0"/>
+              <a:t>Score: 18 392 322</a:t>
+            </a:r>
+          </a:p>
+          <a:p>
+            <a:endParaRPr lang="nl-NL" dirty="0"/>
+          </a:p>
+          <a:p>
+            <a:endParaRPr lang="nl-NL" dirty="0"/>
+          </a:p>
+        </p:txBody>
+      </p:sp>
+      <p:sp>
+        <p:nvSpPr>
+          <p:cNvPr id="4" name="Tijdelijke aanduiding voor dianummer 3">
+            <a:extLst>
+              <a:ext uri="{FF2B5EF4-FFF2-40B4-BE49-F238E27FC236}">
+                <a16:creationId xmlns:a16="http://schemas.microsoft.com/office/drawing/2014/main" id="{33E181A9-2E7C-4524-865C-6120F22CC3CE}"/>
+              </a:ext>
+            </a:extLst>
+          </p:cNvPr>
+          <p:cNvSpPr>
+            <a:spLocks noGrp="1"/>
+          </p:cNvSpPr>
+          <p:nvPr>
+            <p:ph type="sldNum" sz="quarter" idx="12"/>
+          </p:nvPr>
+        </p:nvSpPr>
+        <p:spPr/>
+        <p:txBody>
+          <a:bodyPr/>
+          <a:lstStyle/>
+          <a:p>
+            <a:fld id="{519954A3-9DFD-4C44-94BA-B95130A3BA1C}" type="slidenum">
+              <a:rPr lang="en-US" smtClean="0"/>
+              <a:t>11</a:t>
+            </a:fld>
+            <a:endParaRPr lang="en-US" dirty="0"/>
+          </a:p>
+        </p:txBody>
+      </p:sp>
+      <p:pic>
+        <p:nvPicPr>
+          <p:cNvPr id="6" name="Afbeelding 5" descr="Afbeelding met schermafbeelding&#10;&#10;Automatisch gegenereerde beschrijving">
+            <a:extLst>
+              <a:ext uri="{FF2B5EF4-FFF2-40B4-BE49-F238E27FC236}">
+                <a16:creationId xmlns:a16="http://schemas.microsoft.com/office/drawing/2014/main" id="{1E804E50-9C8E-4EFE-B742-4CAA0ACE11E8}"/>
+              </a:ext>
+            </a:extLst>
+          </p:cNvPr>
+          <p:cNvPicPr>
+            <a:picLocks noChangeAspect="1"/>
+          </p:cNvPicPr>
+          <p:nvPr/>
+        </p:nvPicPr>
+        <p:blipFill>
+          <a:blip r:embed="rId3"/>
+          <a:stretch>
+            <a:fillRect/>
+          </a:stretch>
+        </p:blipFill>
+        <p:spPr>
+          <a:xfrm>
+            <a:off x="5823585" y="0"/>
+            <a:ext cx="6644640" cy="6858000"/>
+          </a:xfrm>
+          <a:prstGeom prst="rect">
+            <a:avLst/>
+          </a:prstGeom>
+        </p:spPr>
+      </p:pic>
+    </p:spTree>
+    <p:extLst>
+      <p:ext uri="{BB962C8B-B14F-4D97-AF65-F5344CB8AC3E}">
+        <p14:creationId xmlns:p14="http://schemas.microsoft.com/office/powerpoint/2010/main" val="1994557606"/>
+      </p:ext>
+    </p:extLst>
+  </p:cSld>
+  <p:clrMapOvr>
+    <a:masterClrMapping/>
+  </p:clrMapOvr>
+</p:sld>
+</file>
+
 <file path=ppt/slides/slide12.xml><?xml version="1.0" encoding="utf-8"?>
 <p:sld xmlns:a="http://schemas.openxmlformats.org/drawingml/2006/main" xmlns:r="http://schemas.openxmlformats.org/officeDocument/2006/relationships" xmlns:p="http://schemas.openxmlformats.org/presentationml/2006/main">
   <p:cSld>
@@ -7356,12 +8638,24 @@
               <a:t>Score </a:t>
             </a:r>
             <a:r>
+              <a:rPr lang="nl-NL"/>
+              <a:t>Random: 13 034 101</a:t>
+            </a:r>
+            <a:endParaRPr lang="nl-NL" dirty="0"/>
+          </a:p>
+          <a:p>
+            <a:pPr lvl="1"/>
+            <a:r>
+              <a:rPr lang="nl-NL" dirty="0"/>
+              <a:t>Score </a:t>
+            </a:r>
+            <a:r>
               <a:rPr lang="nl-NL" dirty="0" err="1"/>
               <a:t>Greedy</a:t>
             </a:r>
             <a:r>
               <a:rPr lang="nl-NL" dirty="0"/>
-              <a:t>: 15 679 426</a:t>
+              <a:t>: 16 474 290</a:t>
             </a:r>
           </a:p>
           <a:p>
@@ -7374,7 +8668,10 @@
               <a:rPr lang="nl-NL" dirty="0" err="1"/>
               <a:t>Hillclimber</a:t>
             </a:r>
-            <a:endParaRPr lang="nl-NL" dirty="0"/>
+            <a:r>
+              <a:rPr lang="nl-NL" dirty="0"/>
+              <a:t>: Score: 18 392 322</a:t>
+            </a:r>
           </a:p>
           <a:p>
             <a:r>
@@ -7884,14 +9181,17 @@
           <a:p>
             <a:r>
               <a:rPr lang="nl-NL" dirty="0"/>
+              <a:t>Conclusie</a:t>
+            </a:r>
+          </a:p>
+          <a:p>
+            <a:r>
+              <a:rPr lang="nl-NL" dirty="0"/>
               <a:t>Discussie</a:t>
             </a:r>
           </a:p>
           <a:p>
-            <a:r>
-              <a:rPr lang="nl-NL" dirty="0"/>
-              <a:t>Conclusie</a:t>
-            </a:r>
+            <a:endParaRPr lang="nl-NL" dirty="0"/>
           </a:p>
           <a:p>
             <a:endParaRPr lang="nl-NL" dirty="0"/>
@@ -8543,7 +9843,7 @@
           <p:nvPr/>
         </p:nvPicPr>
         <p:blipFill rotWithShape="1">
-          <a:blip r:embed="rId2"/>
+          <a:blip r:embed="rId3"/>
           <a:srcRect t="25308" r="-1" b="11733"/>
           <a:stretch/>
         </p:blipFill>
@@ -8799,7 +10099,7 @@
           <p:nvPr/>
         </p:nvPicPr>
         <p:blipFill rotWithShape="1">
-          <a:blip r:embed="rId2">
+          <a:blip r:embed="rId3">
             <a:clrChange>
               <a:clrFrom>
                 <a:srgbClr val="6B7366"/>
@@ -9131,7 +10431,7 @@
           </p:nvPr>
         </p:nvPicPr>
         <p:blipFill>
-          <a:blip r:embed="rId2"/>
+          <a:blip r:embed="rId3"/>
           <a:stretch>
             <a:fillRect/>
           </a:stretch>
@@ -10878,7 +12178,7 @@
           <p:nvPr/>
         </p:nvPicPr>
         <p:blipFill>
-          <a:blip r:embed="rId2"/>
+          <a:blip r:embed="rId3"/>
           <a:stretch>
             <a:fillRect/>
           </a:stretch>
@@ -11088,7 +12388,7 @@
             <a:pPr lvl="1"/>
             <a:r>
               <a:rPr lang="nl-NL" dirty="0"/>
-              <a:t>Beste van n aantal </a:t>
+              <a:t>“Heuristiek” Beste van n aantal </a:t>
             </a:r>
             <a:r>
               <a:rPr lang="nl-NL" dirty="0" err="1"/>
@@ -11813,7 +13113,14 @@
           <a:p>
             <a:r>
               <a:rPr lang="nl-NL" dirty="0"/>
-              <a:t>Score: 15 679 426</a:t>
+              <a:t>Score: 16 474 290</a:t>
+            </a:r>
+          </a:p>
+          <a:p>
+            <a:pPr lvl="1"/>
+            <a:r>
+              <a:rPr lang="nl-NL" dirty="0"/>
+              <a:t>50 runs </a:t>
             </a:r>
           </a:p>
           <a:p>
@@ -11881,7 +13188,7 @@
           <p:nvPr/>
         </p:nvPicPr>
         <p:blipFill>
-          <a:blip r:embed="rId2"/>
+          <a:blip r:embed="rId3"/>
           <a:stretch>
             <a:fillRect/>
           </a:stretch>
